--- a/iommu.pptx
+++ b/iommu.pptx
@@ -17,6 +17,11 @@
     <p:sldId id="265" r:id="rId11"/>
     <p:sldId id="266" r:id="rId12"/>
     <p:sldId id="267" r:id="rId13"/>
+    <p:sldId id="269" r:id="rId14"/>
+    <p:sldId id="268" r:id="rId15"/>
+    <p:sldId id="270" r:id="rId16"/>
+    <p:sldId id="271" r:id="rId17"/>
+    <p:sldId id="272" r:id="rId18"/>
   </p:sldIdLst>
   <p:sldSz cx="12192000" cy="6858000"/>
   <p:notesSz cx="6858000" cy="9144000"/>
@@ -126,7 +131,7 @@
 <file path=ppt/revisionInfo.xml><?xml version="1.0" encoding="utf-8"?>
 <p1510:revInfo xmlns:a="http://schemas.openxmlformats.org/drawingml/2006/main" xmlns:r="http://schemas.openxmlformats.org/officeDocument/2006/relationships" xmlns:p1510="http://schemas.microsoft.com/office/powerpoint/2015/10/main">
   <p1510:revLst>
-    <p1510:client id="{398F2BF9-B6C5-4F02-AF6E-B8B7429844D1}" v="18" dt="2024-10-27T16:29:02.749"/>
+    <p1510:client id="{398F2BF9-B6C5-4F02-AF6E-B8B7429844D1}" v="33" dt="2024-10-28T16:55:46.851"/>
   </p1510:revLst>
 </p1510:revInfo>
 </file>
@@ -562,7 +567,7 @@
   <pc:docChgLst>
     <pc:chgData name="Masayuki Kimura" userId="d0b54df6e5c2b0ed" providerId="LiveId" clId="{398F2BF9-B6C5-4F02-AF6E-B8B7429844D1}"/>
     <pc:docChg chg="undo custSel addSld modSld">
-      <pc:chgData name="Masayuki Kimura" userId="d0b54df6e5c2b0ed" providerId="LiveId" clId="{398F2BF9-B6C5-4F02-AF6E-B8B7429844D1}" dt="2024-10-27T16:29:04.198" v="578" actId="20577"/>
+      <pc:chgData name="Masayuki Kimura" userId="d0b54df6e5c2b0ed" providerId="LiveId" clId="{398F2BF9-B6C5-4F02-AF6E-B8B7429844D1}" dt="2024-10-28T16:57:18.721" v="2200" actId="20577"/>
       <pc:docMkLst>
         <pc:docMk/>
       </pc:docMkLst>
@@ -904,6 +909,257 @@
             <ac:cxnSpMk id="31" creationId="{7EDE0AD4-D925-AB38-254D-E4BC007DC365}"/>
           </ac:cxnSpMkLst>
         </pc:cxnChg>
+      </pc:sldChg>
+      <pc:sldChg chg="addSp delSp modSp new mod modClrScheme chgLayout">
+        <pc:chgData name="Masayuki Kimura" userId="d0b54df6e5c2b0ed" providerId="LiveId" clId="{398F2BF9-B6C5-4F02-AF6E-B8B7429844D1}" dt="2024-10-28T16:32:58.951" v="1148" actId="404"/>
+        <pc:sldMkLst>
+          <pc:docMk/>
+          <pc:sldMk cId="2981827120" sldId="268"/>
+        </pc:sldMkLst>
+        <pc:spChg chg="add mod ord">
+          <ac:chgData name="Masayuki Kimura" userId="d0b54df6e5c2b0ed" providerId="LiveId" clId="{398F2BF9-B6C5-4F02-AF6E-B8B7429844D1}" dt="2024-10-28T16:30:11.794" v="793" actId="700"/>
+          <ac:spMkLst>
+            <pc:docMk/>
+            <pc:sldMk cId="2981827120" sldId="268"/>
+            <ac:spMk id="2" creationId="{16BE89BF-4BE1-CC58-01FD-DF54E52B9FDC}"/>
+          </ac:spMkLst>
+        </pc:spChg>
+        <pc:spChg chg="add del mod">
+          <ac:chgData name="Masayuki Kimura" userId="d0b54df6e5c2b0ed" providerId="LiveId" clId="{398F2BF9-B6C5-4F02-AF6E-B8B7429844D1}" dt="2024-10-28T16:29:39.100" v="776"/>
+          <ac:spMkLst>
+            <pc:docMk/>
+            <pc:sldMk cId="2981827120" sldId="268"/>
+            <ac:spMk id="3" creationId="{8750736E-7C88-7690-0537-6E980DEA3E47}"/>
+          </ac:spMkLst>
+        </pc:spChg>
+        <pc:spChg chg="add del mod">
+          <ac:chgData name="Masayuki Kimura" userId="d0b54df6e5c2b0ed" providerId="LiveId" clId="{398F2BF9-B6C5-4F02-AF6E-B8B7429844D1}" dt="2024-10-28T16:29:45.403" v="777"/>
+          <ac:spMkLst>
+            <pc:docMk/>
+            <pc:sldMk cId="2981827120" sldId="268"/>
+            <ac:spMk id="4" creationId="{E128AA4F-5F03-8653-FDA2-A44D3897D6F7}"/>
+          </ac:spMkLst>
+        </pc:spChg>
+        <pc:spChg chg="add mod ord">
+          <ac:chgData name="Masayuki Kimura" userId="d0b54df6e5c2b0ed" providerId="LiveId" clId="{398F2BF9-B6C5-4F02-AF6E-B8B7429844D1}" dt="2024-10-28T16:32:58.951" v="1148" actId="404"/>
+          <ac:spMkLst>
+            <pc:docMk/>
+            <pc:sldMk cId="2981827120" sldId="268"/>
+            <ac:spMk id="7" creationId="{9215755C-C81E-14AA-6949-34E183A11898}"/>
+          </ac:spMkLst>
+        </pc:spChg>
+        <pc:spChg chg="add mod">
+          <ac:chgData name="Masayuki Kimura" userId="d0b54df6e5c2b0ed" providerId="LiveId" clId="{398F2BF9-B6C5-4F02-AF6E-B8B7429844D1}" dt="2024-10-28T16:31:34.160" v="843" actId="1076"/>
+          <ac:spMkLst>
+            <pc:docMk/>
+            <pc:sldMk cId="2981827120" sldId="268"/>
+            <ac:spMk id="8" creationId="{58F9AC60-2952-A7DF-2188-06E0382FED8B}"/>
+          </ac:spMkLst>
+        </pc:spChg>
+        <pc:spChg chg="add mod">
+          <ac:chgData name="Masayuki Kimura" userId="d0b54df6e5c2b0ed" providerId="LiveId" clId="{398F2BF9-B6C5-4F02-AF6E-B8B7429844D1}" dt="2024-10-28T16:31:43.091" v="859" actId="1076"/>
+          <ac:spMkLst>
+            <pc:docMk/>
+            <pc:sldMk cId="2981827120" sldId="268"/>
+            <ac:spMk id="9" creationId="{FAA0D5BB-EEE7-8989-1511-6C2E284A1E38}"/>
+          </ac:spMkLst>
+        </pc:spChg>
+        <pc:picChg chg="add mod ord">
+          <ac:chgData name="Masayuki Kimura" userId="d0b54df6e5c2b0ed" providerId="LiveId" clId="{398F2BF9-B6C5-4F02-AF6E-B8B7429844D1}" dt="2024-10-28T16:30:15.463" v="794" actId="1076"/>
+          <ac:picMkLst>
+            <pc:docMk/>
+            <pc:sldMk cId="2981827120" sldId="268"/>
+            <ac:picMk id="5" creationId="{C7F1E0D9-3811-A6F2-ABA2-C56C36DB7D80}"/>
+          </ac:picMkLst>
+        </pc:picChg>
+        <pc:picChg chg="add mod">
+          <ac:chgData name="Masayuki Kimura" userId="d0b54df6e5c2b0ed" providerId="LiveId" clId="{398F2BF9-B6C5-4F02-AF6E-B8B7429844D1}" dt="2024-10-28T16:30:19.177" v="796" actId="1076"/>
+          <ac:picMkLst>
+            <pc:docMk/>
+            <pc:sldMk cId="2981827120" sldId="268"/>
+            <ac:picMk id="6" creationId="{D9D4D19A-BFA6-4124-E2C4-9288D1AAB0B8}"/>
+          </ac:picMkLst>
+        </pc:picChg>
+      </pc:sldChg>
+      <pc:sldChg chg="addSp delSp modSp new mod modClrScheme chgLayout">
+        <pc:chgData name="Masayuki Kimura" userId="d0b54df6e5c2b0ed" providerId="LiveId" clId="{398F2BF9-B6C5-4F02-AF6E-B8B7429844D1}" dt="2024-10-28T16:28:52.033" v="775" actId="1076"/>
+        <pc:sldMkLst>
+          <pc:docMk/>
+          <pc:sldMk cId="2857359196" sldId="269"/>
+        </pc:sldMkLst>
+        <pc:spChg chg="add mod ord">
+          <ac:chgData name="Masayuki Kimura" userId="d0b54df6e5c2b0ed" providerId="LiveId" clId="{398F2BF9-B6C5-4F02-AF6E-B8B7429844D1}" dt="2024-10-28T16:27:48.955" v="656" actId="700"/>
+          <ac:spMkLst>
+            <pc:docMk/>
+            <pc:sldMk cId="2857359196" sldId="269"/>
+            <ac:spMk id="2" creationId="{9F2A2CFD-76D7-8362-5B77-86CFD6CA549E}"/>
+          </ac:spMkLst>
+        </pc:spChg>
+        <pc:spChg chg="add del mod">
+          <ac:chgData name="Masayuki Kimura" userId="d0b54df6e5c2b0ed" providerId="LiveId" clId="{398F2BF9-B6C5-4F02-AF6E-B8B7429844D1}" dt="2024-10-28T16:27:32.732" v="654"/>
+          <ac:spMkLst>
+            <pc:docMk/>
+            <pc:sldMk cId="2857359196" sldId="269"/>
+            <ac:spMk id="3" creationId="{70B68923-672B-0016-1F94-8B85F583C1CB}"/>
+          </ac:spMkLst>
+        </pc:spChg>
+        <pc:spChg chg="add del mod">
+          <ac:chgData name="Masayuki Kimura" userId="d0b54df6e5c2b0ed" providerId="LiveId" clId="{398F2BF9-B6C5-4F02-AF6E-B8B7429844D1}" dt="2024-10-28T16:27:39.065" v="655"/>
+          <ac:spMkLst>
+            <pc:docMk/>
+            <pc:sldMk cId="2857359196" sldId="269"/>
+            <ac:spMk id="4" creationId="{A34F9FD5-6F08-583C-5934-EA67B4C68A2F}"/>
+          </ac:spMkLst>
+        </pc:spChg>
+        <pc:spChg chg="add mod ord">
+          <ac:chgData name="Masayuki Kimura" userId="d0b54df6e5c2b0ed" providerId="LiveId" clId="{398F2BF9-B6C5-4F02-AF6E-B8B7429844D1}" dt="2024-10-28T16:28:52.033" v="775" actId="1076"/>
+          <ac:spMkLst>
+            <pc:docMk/>
+            <pc:sldMk cId="2857359196" sldId="269"/>
+            <ac:spMk id="6" creationId="{B692A756-E2EB-1FB7-ADB6-F29AB84B9802}"/>
+          </ac:spMkLst>
+        </pc:spChg>
+        <pc:picChg chg="add mod ord">
+          <ac:chgData name="Masayuki Kimura" userId="d0b54df6e5c2b0ed" providerId="LiveId" clId="{398F2BF9-B6C5-4F02-AF6E-B8B7429844D1}" dt="2024-10-28T16:28:45.026" v="772" actId="1076"/>
+          <ac:picMkLst>
+            <pc:docMk/>
+            <pc:sldMk cId="2857359196" sldId="269"/>
+            <ac:picMk id="5" creationId="{B61E5A5B-E20D-D0F3-A0F7-C443AD990845}"/>
+          </ac:picMkLst>
+        </pc:picChg>
+      </pc:sldChg>
+      <pc:sldChg chg="addSp delSp modSp new mod modClrScheme chgLayout">
+        <pc:chgData name="Masayuki Kimura" userId="d0b54df6e5c2b0ed" providerId="LiveId" clId="{398F2BF9-B6C5-4F02-AF6E-B8B7429844D1}" dt="2024-10-28T16:41:49.163" v="1829" actId="20577"/>
+        <pc:sldMkLst>
+          <pc:docMk/>
+          <pc:sldMk cId="836548211" sldId="270"/>
+        </pc:sldMkLst>
+        <pc:spChg chg="mod ord">
+          <ac:chgData name="Masayuki Kimura" userId="d0b54df6e5c2b0ed" providerId="LiveId" clId="{398F2BF9-B6C5-4F02-AF6E-B8B7429844D1}" dt="2024-10-28T16:35:44.862" v="1158" actId="700"/>
+          <ac:spMkLst>
+            <pc:docMk/>
+            <pc:sldMk cId="836548211" sldId="270"/>
+            <ac:spMk id="2" creationId="{E3CFD9D6-6BD2-1181-D335-5771CC42877D}"/>
+          </ac:spMkLst>
+        </pc:spChg>
+        <pc:spChg chg="del">
+          <ac:chgData name="Masayuki Kimura" userId="d0b54df6e5c2b0ed" providerId="LiveId" clId="{398F2BF9-B6C5-4F02-AF6E-B8B7429844D1}" dt="2024-10-28T16:35:33.510" v="1152"/>
+          <ac:spMkLst>
+            <pc:docMk/>
+            <pc:sldMk cId="836548211" sldId="270"/>
+            <ac:spMk id="3" creationId="{1A6C40D1-B13F-B8EF-256F-1925287E32E6}"/>
+          </ac:spMkLst>
+        </pc:spChg>
+        <pc:spChg chg="del">
+          <ac:chgData name="Masayuki Kimura" userId="d0b54df6e5c2b0ed" providerId="LiveId" clId="{398F2BF9-B6C5-4F02-AF6E-B8B7429844D1}" dt="2024-10-28T16:35:41.730" v="1156" actId="700"/>
+          <ac:spMkLst>
+            <pc:docMk/>
+            <pc:sldMk cId="836548211" sldId="270"/>
+            <ac:spMk id="4" creationId="{E9BE9276-FDA9-D4BD-9A0F-AF55716B5EF5}"/>
+          </ac:spMkLst>
+        </pc:spChg>
+        <pc:spChg chg="add del mod">
+          <ac:chgData name="Masayuki Kimura" userId="d0b54df6e5c2b0ed" providerId="LiveId" clId="{398F2BF9-B6C5-4F02-AF6E-B8B7429844D1}" dt="2024-10-28T16:35:35.778" v="1153"/>
+          <ac:spMkLst>
+            <pc:docMk/>
+            <pc:sldMk cId="836548211" sldId="270"/>
+            <ac:spMk id="5" creationId="{3D008304-5112-7631-842A-4A3F63E177F1}"/>
+          </ac:spMkLst>
+        </pc:spChg>
+        <pc:spChg chg="add mod">
+          <ac:chgData name="Masayuki Kimura" userId="d0b54df6e5c2b0ed" providerId="LiveId" clId="{398F2BF9-B6C5-4F02-AF6E-B8B7429844D1}" dt="2024-10-28T16:41:49.163" v="1829" actId="20577"/>
+          <ac:spMkLst>
+            <pc:docMk/>
+            <pc:sldMk cId="836548211" sldId="270"/>
+            <ac:spMk id="8" creationId="{5D33B720-B272-AC6C-56A9-2D956F008E0F}"/>
+          </ac:spMkLst>
+        </pc:spChg>
+        <pc:spChg chg="add">
+          <ac:chgData name="Masayuki Kimura" userId="d0b54df6e5c2b0ed" providerId="LiveId" clId="{398F2BF9-B6C5-4F02-AF6E-B8B7429844D1}" dt="2024-10-28T16:35:52.722" v="1160"/>
+          <ac:spMkLst>
+            <pc:docMk/>
+            <pc:sldMk cId="836548211" sldId="270"/>
+            <ac:spMk id="9" creationId="{8653402F-4EDA-A8D5-27F3-F09B624E547E}"/>
+          </ac:spMkLst>
+        </pc:spChg>
+        <pc:picChg chg="add del mod ord">
+          <ac:chgData name="Masayuki Kimura" userId="d0b54df6e5c2b0ed" providerId="LiveId" clId="{398F2BF9-B6C5-4F02-AF6E-B8B7429844D1}" dt="2024-10-28T16:35:50.156" v="1159" actId="478"/>
+          <ac:picMkLst>
+            <pc:docMk/>
+            <pc:sldMk cId="836548211" sldId="270"/>
+            <ac:picMk id="6" creationId="{6007C0E2-DE1B-085F-FE90-DCAF9D668534}"/>
+          </ac:picMkLst>
+        </pc:picChg>
+        <pc:picChg chg="add mod">
+          <ac:chgData name="Masayuki Kimura" userId="d0b54df6e5c2b0ed" providerId="LiveId" clId="{398F2BF9-B6C5-4F02-AF6E-B8B7429844D1}" dt="2024-10-28T16:36:01.760" v="1164" actId="1076"/>
+          <ac:picMkLst>
+            <pc:docMk/>
+            <pc:sldMk cId="836548211" sldId="270"/>
+            <ac:picMk id="10" creationId="{5D9198E7-094D-1F7F-8105-3E3459E5C925}"/>
+          </ac:picMkLst>
+        </pc:picChg>
+      </pc:sldChg>
+      <pc:sldChg chg="modSp new mod">
+        <pc:chgData name="Masayuki Kimura" userId="d0b54df6e5c2b0ed" providerId="LiveId" clId="{398F2BF9-B6C5-4F02-AF6E-B8B7429844D1}" dt="2024-10-28T16:46:49.259" v="2093" actId="20577"/>
+        <pc:sldMkLst>
+          <pc:docMk/>
+          <pc:sldMk cId="3972587810" sldId="271"/>
+        </pc:sldMkLst>
+        <pc:spChg chg="mod">
+          <ac:chgData name="Masayuki Kimura" userId="d0b54df6e5c2b0ed" providerId="LiveId" clId="{398F2BF9-B6C5-4F02-AF6E-B8B7429844D1}" dt="2024-10-28T16:44:08.984" v="1832" actId="20577"/>
+          <ac:spMkLst>
+            <pc:docMk/>
+            <pc:sldMk cId="3972587810" sldId="271"/>
+            <ac:spMk id="2" creationId="{F68C5300-B55E-CDF1-F015-9EACC6EA10CB}"/>
+          </ac:spMkLst>
+        </pc:spChg>
+        <pc:spChg chg="mod">
+          <ac:chgData name="Masayuki Kimura" userId="d0b54df6e5c2b0ed" providerId="LiveId" clId="{398F2BF9-B6C5-4F02-AF6E-B8B7429844D1}" dt="2024-10-28T16:46:49.259" v="2093" actId="20577"/>
+          <ac:spMkLst>
+            <pc:docMk/>
+            <pc:sldMk cId="3972587810" sldId="271"/>
+            <ac:spMk id="3" creationId="{2F0F51F0-F09E-1E65-D694-F738607DA41D}"/>
+          </ac:spMkLst>
+        </pc:spChg>
+      </pc:sldChg>
+      <pc:sldChg chg="addSp modSp new mod">
+        <pc:chgData name="Masayuki Kimura" userId="d0b54df6e5c2b0ed" providerId="LiveId" clId="{398F2BF9-B6C5-4F02-AF6E-B8B7429844D1}" dt="2024-10-28T16:57:18.721" v="2200" actId="20577"/>
+        <pc:sldMkLst>
+          <pc:docMk/>
+          <pc:sldMk cId="749312441" sldId="272"/>
+        </pc:sldMkLst>
+        <pc:spChg chg="mod">
+          <ac:chgData name="Masayuki Kimura" userId="d0b54df6e5c2b0ed" providerId="LiveId" clId="{398F2BF9-B6C5-4F02-AF6E-B8B7429844D1}" dt="2024-10-28T16:56:17.863" v="2102" actId="27636"/>
+          <ac:spMkLst>
+            <pc:docMk/>
+            <pc:sldMk cId="749312441" sldId="272"/>
+            <ac:spMk id="2" creationId="{B71176D3-67FA-DFE6-01A3-C5B9C1F42352}"/>
+          </ac:spMkLst>
+        </pc:spChg>
+        <pc:spChg chg="mod">
+          <ac:chgData name="Masayuki Kimura" userId="d0b54df6e5c2b0ed" providerId="LiveId" clId="{398F2BF9-B6C5-4F02-AF6E-B8B7429844D1}" dt="2024-10-28T16:57:18.721" v="2200" actId="20577"/>
+          <ac:spMkLst>
+            <pc:docMk/>
+            <pc:sldMk cId="749312441" sldId="272"/>
+            <ac:spMk id="3" creationId="{18F5A698-7D96-B6E4-6823-45E6ED55E3F5}"/>
+          </ac:spMkLst>
+        </pc:spChg>
+        <pc:spChg chg="add">
+          <ac:chgData name="Masayuki Kimura" userId="d0b54df6e5c2b0ed" providerId="LiveId" clId="{398F2BF9-B6C5-4F02-AF6E-B8B7429844D1}" dt="2024-10-28T16:55:44.268" v="2095"/>
+          <ac:spMkLst>
+            <pc:docMk/>
+            <pc:sldMk cId="749312441" sldId="272"/>
+            <ac:spMk id="4" creationId="{61BF49D8-6C2F-DAA6-5CE7-B28748A00178}"/>
+          </ac:spMkLst>
+        </pc:spChg>
+        <pc:picChg chg="add mod">
+          <ac:chgData name="Masayuki Kimura" userId="d0b54df6e5c2b0ed" providerId="LiveId" clId="{398F2BF9-B6C5-4F02-AF6E-B8B7429844D1}" dt="2024-10-28T16:55:53.885" v="2098" actId="14100"/>
+          <ac:picMkLst>
+            <pc:docMk/>
+            <pc:sldMk cId="749312441" sldId="272"/>
+            <ac:picMk id="5" creationId="{684F3428-0F6A-D5EE-B8CE-18591DFED719}"/>
+          </ac:picMkLst>
+        </pc:picChg>
       </pc:sldChg>
     </pc:docChg>
   </pc:docChgLst>
@@ -5795,6 +6051,1109 @@
     <p:extLst>
       <p:ext uri="{BB962C8B-B14F-4D97-AF65-F5344CB8AC3E}">
         <p14:creationId xmlns:p14="http://schemas.microsoft.com/office/powerpoint/2010/main" val="4259284248"/>
+      </p:ext>
+    </p:extLst>
+  </p:cSld>
+  <p:clrMapOvr>
+    <a:masterClrMapping/>
+  </p:clrMapOvr>
+</p:sld>
+</file>
+
+<file path=ppt/slides/slide13.xml><?xml version="1.0" encoding="utf-8"?>
+<p:sld xmlns:a="http://schemas.openxmlformats.org/drawingml/2006/main" xmlns:r="http://schemas.openxmlformats.org/officeDocument/2006/relationships" xmlns:p="http://schemas.openxmlformats.org/presentationml/2006/main">
+  <p:cSld>
+    <p:spTree>
+      <p:nvGrpSpPr>
+        <p:cNvPr id="1" name=""/>
+        <p:cNvGrpSpPr/>
+        <p:nvPr/>
+      </p:nvGrpSpPr>
+      <p:grpSpPr>
+        <a:xfrm>
+          <a:off x="0" y="0"/>
+          <a:ext cx="0" cy="0"/>
+          <a:chOff x="0" y="0"/>
+          <a:chExt cx="0" cy="0"/>
+        </a:xfrm>
+      </p:grpSpPr>
+      <p:sp>
+        <p:nvSpPr>
+          <p:cNvPr id="2" name="タイトル 1">
+            <a:extLst>
+              <a:ext uri="{FF2B5EF4-FFF2-40B4-BE49-F238E27FC236}">
+                <a16:creationId xmlns:a16="http://schemas.microsoft.com/office/drawing/2014/main" id="{9F2A2CFD-76D7-8362-5B77-86CFD6CA549E}"/>
+              </a:ext>
+            </a:extLst>
+          </p:cNvPr>
+          <p:cNvSpPr>
+            <a:spLocks noGrp="1"/>
+          </p:cNvSpPr>
+          <p:nvPr>
+            <p:ph type="title"/>
+          </p:nvPr>
+        </p:nvSpPr>
+        <p:spPr/>
+        <p:txBody>
+          <a:bodyPr/>
+          <a:lstStyle/>
+          <a:p>
+            <a:r>
+              <a:rPr lang="ja-JP" altLang="en-US" dirty="0"/>
+              <a:t>デバイス・ディレクトリ・テーブル</a:t>
+            </a:r>
+            <a:r>
+              <a:rPr lang="en-US" altLang="ja-JP" dirty="0"/>
+              <a:t>(DDT)</a:t>
+            </a:r>
+            <a:endParaRPr lang="ja-JP" altLang="en-US" dirty="0"/>
+          </a:p>
+        </p:txBody>
+      </p:sp>
+      <p:pic>
+        <p:nvPicPr>
+          <p:cNvPr id="5" name="コンテンツ プレースホルダー 4">
+            <a:extLst>
+              <a:ext uri="{FF2B5EF4-FFF2-40B4-BE49-F238E27FC236}">
+                <a16:creationId xmlns:a16="http://schemas.microsoft.com/office/drawing/2014/main" id="{B61E5A5B-E20D-D0F3-A0F7-C443AD990845}"/>
+              </a:ext>
+            </a:extLst>
+          </p:cNvPr>
+          <p:cNvPicPr>
+            <a:picLocks noGrp="1" noChangeAspect="1"/>
+          </p:cNvPicPr>
+          <p:nvPr>
+            <p:ph sz="half" idx="1"/>
+          </p:nvPr>
+        </p:nvPicPr>
+        <p:blipFill>
+          <a:blip r:embed="rId2"/>
+          <a:stretch>
+            <a:fillRect/>
+          </a:stretch>
+        </p:blipFill>
+        <p:spPr>
+          <a:xfrm>
+            <a:off x="457200" y="1828800"/>
+            <a:ext cx="7927460" cy="3041384"/>
+          </a:xfrm>
+          <a:prstGeom prst="rect">
+            <a:avLst/>
+          </a:prstGeom>
+        </p:spPr>
+      </p:pic>
+      <p:sp>
+        <p:nvSpPr>
+          <p:cNvPr id="6" name="コンテンツ プレースホルダー 5">
+            <a:extLst>
+              <a:ext uri="{FF2B5EF4-FFF2-40B4-BE49-F238E27FC236}">
+                <a16:creationId xmlns:a16="http://schemas.microsoft.com/office/drawing/2014/main" id="{B692A756-E2EB-1FB7-ADB6-F29AB84B9802}"/>
+              </a:ext>
+            </a:extLst>
+          </p:cNvPr>
+          <p:cNvSpPr>
+            <a:spLocks noGrp="1"/>
+          </p:cNvSpPr>
+          <p:nvPr>
+            <p:ph sz="half" idx="2"/>
+          </p:nvPr>
+        </p:nvSpPr>
+        <p:spPr>
+          <a:xfrm>
+            <a:off x="1371600" y="5334000"/>
+            <a:ext cx="10134600" cy="1069975"/>
+          </a:xfrm>
+        </p:spPr>
+        <p:txBody>
+          <a:bodyPr/>
+          <a:lstStyle/>
+          <a:p>
+            <a:r>
+              <a:rPr lang="en-US" altLang="ja-JP" dirty="0" err="1"/>
+              <a:t>device_id</a:t>
+            </a:r>
+            <a:r>
+              <a:rPr lang="ja-JP" altLang="en-US" dirty="0"/>
+              <a:t>で</a:t>
+            </a:r>
+            <a:r>
+              <a:rPr lang="en-US" altLang="ja-JP" dirty="0"/>
+              <a:t>DC</a:t>
+            </a:r>
+            <a:r>
+              <a:rPr lang="ja-JP" altLang="en-US" dirty="0"/>
+              <a:t>を探す</a:t>
+            </a:r>
+            <a:endParaRPr lang="en-US" altLang="ja-JP" dirty="0"/>
+          </a:p>
+          <a:p>
+            <a:r>
+              <a:rPr lang="ja-JP" altLang="en-US" dirty="0"/>
+              <a:t>ルート</a:t>
+            </a:r>
+            <a:r>
+              <a:rPr lang="en-US" altLang="ja-JP" dirty="0"/>
+              <a:t>DDT</a:t>
+            </a:r>
+            <a:r>
+              <a:rPr lang="ja-JP" altLang="en-US" dirty="0"/>
+              <a:t>の</a:t>
+            </a:r>
+            <a:r>
+              <a:rPr lang="en-US" altLang="ja-JP" dirty="0"/>
+              <a:t>PPN</a:t>
+            </a:r>
+            <a:r>
+              <a:rPr lang="ja-JP" altLang="en-US" dirty="0"/>
+              <a:t>は、</a:t>
+            </a:r>
+            <a:r>
+              <a:rPr lang="en-US" altLang="ja-JP" dirty="0" err="1"/>
+              <a:t>ddtp</a:t>
+            </a:r>
+            <a:r>
+              <a:rPr lang="ja-JP" altLang="en-US" dirty="0"/>
+              <a:t>によりポインタが保持されている</a:t>
+            </a:r>
+            <a:endParaRPr lang="en-US" altLang="ja-JP" dirty="0"/>
+          </a:p>
+          <a:p>
+            <a:endParaRPr lang="ja-JP" altLang="en-US" dirty="0"/>
+          </a:p>
+        </p:txBody>
+      </p:sp>
+    </p:spTree>
+    <p:extLst>
+      <p:ext uri="{BB962C8B-B14F-4D97-AF65-F5344CB8AC3E}">
+        <p14:creationId xmlns:p14="http://schemas.microsoft.com/office/powerpoint/2010/main" val="2857359196"/>
+      </p:ext>
+    </p:extLst>
+  </p:cSld>
+  <p:clrMapOvr>
+    <a:masterClrMapping/>
+  </p:clrMapOvr>
+</p:sld>
+</file>
+
+<file path=ppt/slides/slide14.xml><?xml version="1.0" encoding="utf-8"?>
+<p:sld xmlns:a="http://schemas.openxmlformats.org/drawingml/2006/main" xmlns:r="http://schemas.openxmlformats.org/officeDocument/2006/relationships" xmlns:p="http://schemas.openxmlformats.org/presentationml/2006/main">
+  <p:cSld>
+    <p:spTree>
+      <p:nvGrpSpPr>
+        <p:cNvPr id="1" name=""/>
+        <p:cNvGrpSpPr/>
+        <p:nvPr/>
+      </p:nvGrpSpPr>
+      <p:grpSpPr>
+        <a:xfrm>
+          <a:off x="0" y="0"/>
+          <a:ext cx="0" cy="0"/>
+          <a:chOff x="0" y="0"/>
+          <a:chExt cx="0" cy="0"/>
+        </a:xfrm>
+      </p:grpSpPr>
+      <p:sp>
+        <p:nvSpPr>
+          <p:cNvPr id="2" name="タイトル 1">
+            <a:extLst>
+              <a:ext uri="{FF2B5EF4-FFF2-40B4-BE49-F238E27FC236}">
+                <a16:creationId xmlns:a16="http://schemas.microsoft.com/office/drawing/2014/main" id="{16BE89BF-4BE1-CC58-01FD-DF54E52B9FDC}"/>
+              </a:ext>
+            </a:extLst>
+          </p:cNvPr>
+          <p:cNvSpPr>
+            <a:spLocks noGrp="1"/>
+          </p:cNvSpPr>
+          <p:nvPr>
+            <p:ph type="title"/>
+          </p:nvPr>
+        </p:nvSpPr>
+        <p:spPr/>
+        <p:txBody>
+          <a:bodyPr/>
+          <a:lstStyle/>
+          <a:p>
+            <a:r>
+              <a:rPr lang="ja-JP" altLang="en-US" dirty="0"/>
+              <a:t>リーフの</a:t>
+            </a:r>
+            <a:r>
+              <a:rPr lang="en-US" altLang="ja-JP" dirty="0"/>
+              <a:t>DDT</a:t>
+            </a:r>
+            <a:r>
+              <a:rPr lang="ja-JP" altLang="en-US" dirty="0"/>
+              <a:t>エントリ</a:t>
+            </a:r>
+          </a:p>
+        </p:txBody>
+      </p:sp>
+      <p:pic>
+        <p:nvPicPr>
+          <p:cNvPr id="5" name="コンテンツ プレースホルダー 4">
+            <a:extLst>
+              <a:ext uri="{FF2B5EF4-FFF2-40B4-BE49-F238E27FC236}">
+                <a16:creationId xmlns:a16="http://schemas.microsoft.com/office/drawing/2014/main" id="{C7F1E0D9-3811-A6F2-ABA2-C56C36DB7D80}"/>
+              </a:ext>
+            </a:extLst>
+          </p:cNvPr>
+          <p:cNvPicPr>
+            <a:picLocks noGrp="1" noChangeAspect="1"/>
+          </p:cNvPicPr>
+          <p:nvPr>
+            <p:ph sz="half" idx="1"/>
+          </p:nvPr>
+        </p:nvPicPr>
+        <p:blipFill>
+          <a:blip r:embed="rId2"/>
+          <a:stretch>
+            <a:fillRect/>
+          </a:stretch>
+        </p:blipFill>
+        <p:spPr>
+          <a:xfrm>
+            <a:off x="457200" y="1752600"/>
+            <a:ext cx="5181600" cy="1295400"/>
+          </a:xfrm>
+          <a:prstGeom prst="rect">
+            <a:avLst/>
+          </a:prstGeom>
+        </p:spPr>
+      </p:pic>
+      <p:sp>
+        <p:nvSpPr>
+          <p:cNvPr id="7" name="コンテンツ プレースホルダー 6">
+            <a:extLst>
+              <a:ext uri="{FF2B5EF4-FFF2-40B4-BE49-F238E27FC236}">
+                <a16:creationId xmlns:a16="http://schemas.microsoft.com/office/drawing/2014/main" id="{9215755C-C81E-14AA-6949-34E183A11898}"/>
+              </a:ext>
+            </a:extLst>
+          </p:cNvPr>
+          <p:cNvSpPr>
+            <a:spLocks noGrp="1"/>
+          </p:cNvSpPr>
+          <p:nvPr>
+            <p:ph sz="half" idx="2"/>
+          </p:nvPr>
+        </p:nvSpPr>
+        <p:spPr/>
+        <p:txBody>
+          <a:bodyPr>
+            <a:normAutofit/>
+          </a:bodyPr>
+          <a:lstStyle/>
+          <a:p>
+            <a:r>
+              <a:rPr lang="en-US" altLang="ja-JP" sz="2000" dirty="0"/>
+              <a:t>Translation-Control (</a:t>
+            </a:r>
+            <a:r>
+              <a:rPr lang="en-US" altLang="ja-JP" sz="2000" dirty="0" err="1"/>
+              <a:t>tc</a:t>
+            </a:r>
+            <a:r>
+              <a:rPr lang="en-US" altLang="ja-JP" sz="2000" dirty="0"/>
+              <a:t>)</a:t>
+            </a:r>
+          </a:p>
+          <a:p>
+            <a:r>
+              <a:rPr lang="en-US" altLang="ja-JP" sz="2000" dirty="0"/>
+              <a:t>IO Hypervisor guest address translation and protection (</a:t>
+            </a:r>
+            <a:r>
+              <a:rPr lang="en-US" altLang="ja-JP" sz="2000" dirty="0" err="1"/>
+              <a:t>iohgatp</a:t>
+            </a:r>
+            <a:r>
+              <a:rPr lang="en-US" altLang="ja-JP" sz="2000" dirty="0"/>
+              <a:t>)</a:t>
+            </a:r>
+          </a:p>
+          <a:p>
+            <a:r>
+              <a:rPr lang="en-US" altLang="ja-JP" sz="2000" dirty="0"/>
+              <a:t>Translation-attributes (ta)</a:t>
+            </a:r>
+          </a:p>
+          <a:p>
+            <a:r>
+              <a:rPr lang="en-US" altLang="ja-JP" sz="2000" dirty="0"/>
+              <a:t>First-stage-context (</a:t>
+            </a:r>
+            <a:r>
+              <a:rPr lang="en-US" altLang="ja-JP" sz="2000" dirty="0" err="1"/>
+              <a:t>fsc</a:t>
+            </a:r>
+            <a:r>
+              <a:rPr lang="en-US" altLang="ja-JP" sz="2000" dirty="0"/>
+              <a:t>)</a:t>
+            </a:r>
+          </a:p>
+          <a:p>
+            <a:r>
+              <a:rPr lang="en-US" altLang="ja-JP" sz="2000" dirty="0"/>
+              <a:t>MSI-page-table pointer (</a:t>
+            </a:r>
+            <a:r>
+              <a:rPr lang="en-US" altLang="ja-JP" sz="2000" dirty="0" err="1"/>
+              <a:t>msiptp</a:t>
+            </a:r>
+            <a:r>
+              <a:rPr lang="en-US" altLang="ja-JP" sz="2000" dirty="0"/>
+              <a:t>)</a:t>
+            </a:r>
+          </a:p>
+          <a:p>
+            <a:r>
+              <a:rPr lang="en-US" altLang="ja-JP" sz="2000" dirty="0"/>
+              <a:t>MSI-address-mask (</a:t>
+            </a:r>
+            <a:r>
+              <a:rPr lang="en-US" altLang="ja-JP" sz="2000" dirty="0" err="1"/>
+              <a:t>msi_addr_mask</a:t>
+            </a:r>
+            <a:r>
+              <a:rPr lang="en-US" altLang="ja-JP" sz="2000" dirty="0"/>
+              <a:t>)</a:t>
+            </a:r>
+          </a:p>
+          <a:p>
+            <a:r>
+              <a:rPr lang="en-US" altLang="ja-JP" sz="2000" dirty="0"/>
+              <a:t>MSI-address-pattern (</a:t>
+            </a:r>
+            <a:r>
+              <a:rPr lang="en-US" altLang="ja-JP" sz="2000" dirty="0" err="1"/>
+              <a:t>msi_addr_pattern</a:t>
+            </a:r>
+            <a:r>
+              <a:rPr lang="en-US" altLang="ja-JP" sz="2000" dirty="0"/>
+              <a:t>)</a:t>
+            </a:r>
+            <a:endParaRPr lang="ja-JP" altLang="en-US" sz="2000" dirty="0"/>
+          </a:p>
+        </p:txBody>
+      </p:sp>
+      <p:pic>
+        <p:nvPicPr>
+          <p:cNvPr id="6" name="図 5">
+            <a:extLst>
+              <a:ext uri="{FF2B5EF4-FFF2-40B4-BE49-F238E27FC236}">
+                <a16:creationId xmlns:a16="http://schemas.microsoft.com/office/drawing/2014/main" id="{D9D4D19A-BFA6-4124-E2C4-9288D1AAB0B8}"/>
+              </a:ext>
+            </a:extLst>
+          </p:cNvPr>
+          <p:cNvPicPr>
+            <a:picLocks noChangeAspect="1"/>
+          </p:cNvPicPr>
+          <p:nvPr/>
+        </p:nvPicPr>
+        <p:blipFill>
+          <a:blip r:embed="rId3"/>
+          <a:stretch>
+            <a:fillRect/>
+          </a:stretch>
+        </p:blipFill>
+        <p:spPr>
+          <a:xfrm>
+            <a:off x="457200" y="3581400"/>
+            <a:ext cx="5181600" cy="2590800"/>
+          </a:xfrm>
+          <a:prstGeom prst="rect">
+            <a:avLst/>
+          </a:prstGeom>
+        </p:spPr>
+      </p:pic>
+      <p:sp>
+        <p:nvSpPr>
+          <p:cNvPr id="8" name="テキスト ボックス 7">
+            <a:extLst>
+              <a:ext uri="{FF2B5EF4-FFF2-40B4-BE49-F238E27FC236}">
+                <a16:creationId xmlns:a16="http://schemas.microsoft.com/office/drawing/2014/main" id="{58F9AC60-2952-A7DF-2188-06E0382FED8B}"/>
+              </a:ext>
+            </a:extLst>
+          </p:cNvPr>
+          <p:cNvSpPr txBox="1"/>
+          <p:nvPr/>
+        </p:nvSpPr>
+        <p:spPr>
+          <a:xfrm>
+            <a:off x="838200" y="3048000"/>
+            <a:ext cx="4269117" cy="369332"/>
+          </a:xfrm>
+          <a:prstGeom prst="rect">
+            <a:avLst/>
+          </a:prstGeom>
+          <a:noFill/>
+        </p:spPr>
+        <p:txBody>
+          <a:bodyPr wrap="none" rtlCol="0">
+            <a:spAutoFit/>
+          </a:bodyPr>
+          <a:lstStyle/>
+          <a:p>
+            <a:r>
+              <a:rPr kumimoji="1" lang="ja-JP" altLang="en-US" dirty="0"/>
+              <a:t>ベースフォーマット・デバイス・コンテキスト</a:t>
+            </a:r>
+          </a:p>
+        </p:txBody>
+      </p:sp>
+      <p:sp>
+        <p:nvSpPr>
+          <p:cNvPr id="9" name="テキスト ボックス 8">
+            <a:extLst>
+              <a:ext uri="{FF2B5EF4-FFF2-40B4-BE49-F238E27FC236}">
+                <a16:creationId xmlns:a16="http://schemas.microsoft.com/office/drawing/2014/main" id="{FAA0D5BB-EEE7-8989-1511-6C2E284A1E38}"/>
+              </a:ext>
+            </a:extLst>
+          </p:cNvPr>
+          <p:cNvSpPr txBox="1"/>
+          <p:nvPr/>
+        </p:nvSpPr>
+        <p:spPr>
+          <a:xfrm>
+            <a:off x="990600" y="6248400"/>
+            <a:ext cx="4015843" cy="369332"/>
+          </a:xfrm>
+          <a:prstGeom prst="rect">
+            <a:avLst/>
+          </a:prstGeom>
+          <a:noFill/>
+        </p:spPr>
+        <p:txBody>
+          <a:bodyPr wrap="none" rtlCol="0">
+            <a:spAutoFit/>
+          </a:bodyPr>
+          <a:lstStyle/>
+          <a:p>
+            <a:r>
+              <a:rPr kumimoji="1" lang="ja-JP" altLang="en-US" dirty="0"/>
+              <a:t>拡張フォーマット・デバイス・コンテキスト</a:t>
+            </a:r>
+          </a:p>
+        </p:txBody>
+      </p:sp>
+    </p:spTree>
+    <p:extLst>
+      <p:ext uri="{BB962C8B-B14F-4D97-AF65-F5344CB8AC3E}">
+        <p14:creationId xmlns:p14="http://schemas.microsoft.com/office/powerpoint/2010/main" val="2981827120"/>
+      </p:ext>
+    </p:extLst>
+  </p:cSld>
+  <p:clrMapOvr>
+    <a:masterClrMapping/>
+  </p:clrMapOvr>
+</p:sld>
+</file>
+
+<file path=ppt/slides/slide15.xml><?xml version="1.0" encoding="utf-8"?>
+<p:sld xmlns:a="http://schemas.openxmlformats.org/drawingml/2006/main" xmlns:r="http://schemas.openxmlformats.org/officeDocument/2006/relationships" xmlns:p="http://schemas.openxmlformats.org/presentationml/2006/main">
+  <p:cSld>
+    <p:spTree>
+      <p:nvGrpSpPr>
+        <p:cNvPr id="1" name=""/>
+        <p:cNvGrpSpPr/>
+        <p:nvPr/>
+      </p:nvGrpSpPr>
+      <p:grpSpPr>
+        <a:xfrm>
+          <a:off x="0" y="0"/>
+          <a:ext cx="0" cy="0"/>
+          <a:chOff x="0" y="0"/>
+          <a:chExt cx="0" cy="0"/>
+        </a:xfrm>
+      </p:grpSpPr>
+      <p:sp>
+        <p:nvSpPr>
+          <p:cNvPr id="2" name="タイトル 1">
+            <a:extLst>
+              <a:ext uri="{FF2B5EF4-FFF2-40B4-BE49-F238E27FC236}">
+                <a16:creationId xmlns:a16="http://schemas.microsoft.com/office/drawing/2014/main" id="{E3CFD9D6-6BD2-1181-D335-5771CC42877D}"/>
+              </a:ext>
+            </a:extLst>
+          </p:cNvPr>
+          <p:cNvSpPr>
+            <a:spLocks noGrp="1"/>
+          </p:cNvSpPr>
+          <p:nvPr>
+            <p:ph type="title"/>
+          </p:nvPr>
+        </p:nvSpPr>
+        <p:spPr/>
+        <p:txBody>
+          <a:bodyPr/>
+          <a:lstStyle/>
+          <a:p>
+            <a:r>
+              <a:rPr lang="en-US" altLang="ja-JP" sz="4400" dirty="0"/>
+              <a:t>Translation-Control (</a:t>
+            </a:r>
+            <a:r>
+              <a:rPr lang="en-US" altLang="ja-JP" sz="4400" dirty="0" err="1"/>
+              <a:t>tc</a:t>
+            </a:r>
+            <a:r>
+              <a:rPr lang="en-US" altLang="ja-JP" sz="4400" dirty="0"/>
+              <a:t>)</a:t>
+            </a:r>
+            <a:endParaRPr kumimoji="1" lang="ja-JP" altLang="en-US" dirty="0"/>
+          </a:p>
+        </p:txBody>
+      </p:sp>
+      <p:sp>
+        <p:nvSpPr>
+          <p:cNvPr id="8" name="コンテンツ プレースホルダー 7">
+            <a:extLst>
+              <a:ext uri="{FF2B5EF4-FFF2-40B4-BE49-F238E27FC236}">
+                <a16:creationId xmlns:a16="http://schemas.microsoft.com/office/drawing/2014/main" id="{5D33B720-B272-AC6C-56A9-2D956F008E0F}"/>
+              </a:ext>
+            </a:extLst>
+          </p:cNvPr>
+          <p:cNvSpPr>
+            <a:spLocks noGrp="1"/>
+          </p:cNvSpPr>
+          <p:nvPr>
+            <p:ph idx="1"/>
+          </p:nvPr>
+        </p:nvSpPr>
+        <p:spPr>
+          <a:xfrm>
+            <a:off x="838200" y="1825625"/>
+            <a:ext cx="10515600" cy="3051175"/>
+          </a:xfrm>
+        </p:spPr>
+        <p:txBody>
+          <a:bodyPr>
+            <a:normAutofit fontScale="70000" lnSpcReduction="20000"/>
+          </a:bodyPr>
+          <a:lstStyle/>
+          <a:p>
+            <a:r>
+              <a:rPr lang="en-US" altLang="ja-JP" dirty="0"/>
+              <a:t>V: DC</a:t>
+            </a:r>
+            <a:r>
+              <a:rPr lang="ja-JP" altLang="en-US" dirty="0"/>
+              <a:t>が有効であることを示す</a:t>
+            </a:r>
+            <a:endParaRPr lang="en-US" altLang="ja-JP" dirty="0"/>
+          </a:p>
+          <a:p>
+            <a:r>
+              <a:rPr lang="en-US" altLang="ja-JP" dirty="0"/>
+              <a:t>EN_ATS: IOMMU</a:t>
+            </a:r>
+            <a:r>
+              <a:rPr lang="ja-JP" altLang="en-US" dirty="0"/>
+              <a:t>が</a:t>
+            </a:r>
+            <a:r>
+              <a:rPr lang="en-US" altLang="ja-JP" dirty="0"/>
+              <a:t>PCIe ATS</a:t>
+            </a:r>
+            <a:r>
+              <a:rPr lang="ja-JP" altLang="en-US" dirty="0"/>
+              <a:t>をサポートしている場合</a:t>
+            </a:r>
+            <a:r>
+              <a:rPr lang="en-US" altLang="ja-JP" dirty="0"/>
+              <a:t>, ATS</a:t>
+            </a:r>
+            <a:r>
+              <a:rPr lang="ja-JP" altLang="en-US" dirty="0"/>
+              <a:t>が有効であることを示す</a:t>
+            </a:r>
+            <a:endParaRPr lang="en-US" altLang="ja-JP" dirty="0"/>
+          </a:p>
+          <a:p>
+            <a:pPr lvl="1"/>
+            <a:r>
+              <a:rPr lang="ja-JP" altLang="en-US" dirty="0"/>
+              <a:t>トランザクション実行のための</a:t>
+            </a:r>
+            <a:r>
+              <a:rPr lang="en-US" altLang="ja-JP" dirty="0"/>
+              <a:t>translation</a:t>
+            </a:r>
+            <a:r>
+              <a:rPr lang="ja-JP" altLang="en-US" dirty="0"/>
+              <a:t>された読み取り</a:t>
+            </a:r>
+            <a:endParaRPr lang="en-US" altLang="ja-JP" dirty="0"/>
+          </a:p>
+          <a:p>
+            <a:pPr lvl="1"/>
+            <a:r>
+              <a:rPr lang="en-US" altLang="ja-JP" dirty="0"/>
+              <a:t>translation</a:t>
+            </a:r>
+            <a:r>
+              <a:rPr lang="ja-JP" altLang="en-US" dirty="0"/>
+              <a:t>された読み取りトランザクション</a:t>
+            </a:r>
+            <a:endParaRPr lang="en-US" altLang="ja-JP" dirty="0"/>
+          </a:p>
+          <a:p>
+            <a:pPr lvl="1"/>
+            <a:r>
+              <a:rPr lang="en-US" altLang="ja-JP" dirty="0"/>
+              <a:t>translation</a:t>
+            </a:r>
+            <a:r>
+              <a:rPr lang="ja-JP" altLang="en-US" dirty="0"/>
+              <a:t>された書き込み</a:t>
+            </a:r>
+            <a:r>
+              <a:rPr lang="en-US" altLang="ja-JP" dirty="0"/>
+              <a:t>/AMO</a:t>
+            </a:r>
+            <a:r>
+              <a:rPr lang="ja-JP" altLang="en-US" dirty="0"/>
+              <a:t>トランザクション</a:t>
+            </a:r>
+            <a:endParaRPr lang="en-US" altLang="ja-JP" dirty="0"/>
+          </a:p>
+          <a:p>
+            <a:pPr lvl="1"/>
+            <a:r>
+              <a:rPr lang="en-US" altLang="ja-JP" dirty="0"/>
+              <a:t>PCIe ATS translation request</a:t>
+            </a:r>
+          </a:p>
+          <a:p>
+            <a:pPr lvl="1"/>
+            <a:r>
+              <a:rPr lang="en-US" altLang="ja-JP" dirty="0"/>
+              <a:t>PCIe ATS</a:t>
+            </a:r>
+            <a:r>
+              <a:rPr lang="ja-JP" altLang="en-US" dirty="0"/>
+              <a:t>無効化完了メッセージ</a:t>
+            </a:r>
+            <a:endParaRPr lang="en-US" altLang="ja-JP" dirty="0"/>
+          </a:p>
+          <a:p>
+            <a:r>
+              <a:rPr lang="en-US" altLang="ja-JP" dirty="0"/>
+              <a:t>T2GPA: PCIe ATS</a:t>
+            </a:r>
+            <a:r>
+              <a:rPr lang="ja-JP" altLang="en-US" dirty="0"/>
+              <a:t>変換時に、</a:t>
+            </a:r>
+            <a:r>
+              <a:rPr lang="en-US" altLang="ja-JP" dirty="0"/>
+              <a:t>2</a:t>
+            </a:r>
+            <a:r>
+              <a:rPr lang="ja-JP" altLang="en-US" dirty="0"/>
+              <a:t>段階アドレス変換を実行する</a:t>
+            </a:r>
+            <a:endParaRPr lang="en-US" altLang="ja-JP" dirty="0"/>
+          </a:p>
+          <a:p>
+            <a:r>
+              <a:rPr lang="en-US" altLang="ja-JP" dirty="0"/>
+              <a:t>EN_PRI: 0</a:t>
+            </a:r>
+            <a:r>
+              <a:rPr lang="ja-JP" altLang="en-US" dirty="0"/>
+              <a:t>の場合、デバイスからの</a:t>
+            </a:r>
+            <a:r>
+              <a:rPr lang="en-US" altLang="ja-JP" dirty="0" err="1"/>
+              <a:t>PICe</a:t>
+            </a:r>
+            <a:r>
+              <a:rPr lang="en-US" altLang="ja-JP" dirty="0"/>
+              <a:t> Page </a:t>
+            </a:r>
+            <a:r>
+              <a:rPr lang="en-US" altLang="ja-JP" dirty="0" err="1"/>
+              <a:t>REquest</a:t>
+            </a:r>
+            <a:r>
+              <a:rPr lang="ja-JP" altLang="en-US" dirty="0"/>
+              <a:t>メッセージは無効となる</a:t>
+            </a:r>
+            <a:endParaRPr lang="en-US" altLang="ja-JP" dirty="0"/>
+          </a:p>
+          <a:p>
+            <a:r>
+              <a:rPr lang="en-US" altLang="ja-JP" dirty="0"/>
+              <a:t>DTF: </a:t>
+            </a:r>
+            <a:r>
+              <a:rPr lang="ja-JP" altLang="en-US" dirty="0"/>
+              <a:t>アドレス変換処理で発生したフォルトレポートが無効となる</a:t>
+            </a:r>
+            <a:endParaRPr lang="en-US" altLang="ja-JP" dirty="0"/>
+          </a:p>
+          <a:p>
+            <a:endParaRPr lang="ja-JP" altLang="en-US" dirty="0"/>
+          </a:p>
+        </p:txBody>
+      </p:sp>
+      <p:pic>
+        <p:nvPicPr>
+          <p:cNvPr id="10" name="図 9">
+            <a:extLst>
+              <a:ext uri="{FF2B5EF4-FFF2-40B4-BE49-F238E27FC236}">
+                <a16:creationId xmlns:a16="http://schemas.microsoft.com/office/drawing/2014/main" id="{5D9198E7-094D-1F7F-8105-3E3459E5C925}"/>
+              </a:ext>
+            </a:extLst>
+          </p:cNvPr>
+          <p:cNvPicPr>
+            <a:picLocks noChangeAspect="1"/>
+          </p:cNvPicPr>
+          <p:nvPr/>
+        </p:nvPicPr>
+        <p:blipFill>
+          <a:blip r:embed="rId2"/>
+          <a:stretch>
+            <a:fillRect/>
+          </a:stretch>
+        </p:blipFill>
+        <p:spPr>
+          <a:xfrm>
+            <a:off x="4876800" y="4953000"/>
+            <a:ext cx="7010400" cy="1752600"/>
+          </a:xfrm>
+          <a:prstGeom prst="rect">
+            <a:avLst/>
+          </a:prstGeom>
+        </p:spPr>
+      </p:pic>
+    </p:spTree>
+    <p:extLst>
+      <p:ext uri="{BB962C8B-B14F-4D97-AF65-F5344CB8AC3E}">
+        <p14:creationId xmlns:p14="http://schemas.microsoft.com/office/powerpoint/2010/main" val="836548211"/>
+      </p:ext>
+    </p:extLst>
+  </p:cSld>
+  <p:clrMapOvr>
+    <a:masterClrMapping/>
+  </p:clrMapOvr>
+</p:sld>
+</file>
+
+<file path=ppt/slides/slide16.xml><?xml version="1.0" encoding="utf-8"?>
+<p:sld xmlns:a="http://schemas.openxmlformats.org/drawingml/2006/main" xmlns:r="http://schemas.openxmlformats.org/officeDocument/2006/relationships" xmlns:p="http://schemas.openxmlformats.org/presentationml/2006/main">
+  <p:cSld>
+    <p:spTree>
+      <p:nvGrpSpPr>
+        <p:cNvPr id="1" name=""/>
+        <p:cNvGrpSpPr/>
+        <p:nvPr/>
+      </p:nvGrpSpPr>
+      <p:grpSpPr>
+        <a:xfrm>
+          <a:off x="0" y="0"/>
+          <a:ext cx="0" cy="0"/>
+          <a:chOff x="0" y="0"/>
+          <a:chExt cx="0" cy="0"/>
+        </a:xfrm>
+      </p:grpSpPr>
+      <p:sp>
+        <p:nvSpPr>
+          <p:cNvPr id="2" name="タイトル 1">
+            <a:extLst>
+              <a:ext uri="{FF2B5EF4-FFF2-40B4-BE49-F238E27FC236}">
+                <a16:creationId xmlns:a16="http://schemas.microsoft.com/office/drawing/2014/main" id="{F68C5300-B55E-CDF1-F015-9EACC6EA10CB}"/>
+              </a:ext>
+            </a:extLst>
+          </p:cNvPr>
+          <p:cNvSpPr>
+            <a:spLocks noGrp="1"/>
+          </p:cNvSpPr>
+          <p:nvPr>
+            <p:ph type="title"/>
+          </p:nvPr>
+        </p:nvSpPr>
+        <p:spPr/>
+        <p:txBody>
+          <a:bodyPr/>
+          <a:lstStyle/>
+          <a:p>
+            <a:r>
+              <a:rPr lang="en-US" altLang="ja-JP" sz="4400" dirty="0"/>
+              <a:t>First-stage-context (</a:t>
+            </a:r>
+            <a:r>
+              <a:rPr lang="en-US" altLang="ja-JP" sz="4400" dirty="0" err="1"/>
+              <a:t>fsc</a:t>
+            </a:r>
+            <a:r>
+              <a:rPr lang="en-US" altLang="ja-JP" sz="4400" dirty="0"/>
+              <a:t>)</a:t>
+            </a:r>
+            <a:endParaRPr kumimoji="1" lang="ja-JP" altLang="en-US" dirty="0"/>
+          </a:p>
+        </p:txBody>
+      </p:sp>
+      <p:sp>
+        <p:nvSpPr>
+          <p:cNvPr id="3" name="コンテンツ プレースホルダー 2">
+            <a:extLst>
+              <a:ext uri="{FF2B5EF4-FFF2-40B4-BE49-F238E27FC236}">
+                <a16:creationId xmlns:a16="http://schemas.microsoft.com/office/drawing/2014/main" id="{2F0F51F0-F09E-1E65-D694-F738607DA41D}"/>
+              </a:ext>
+            </a:extLst>
+          </p:cNvPr>
+          <p:cNvSpPr>
+            <a:spLocks noGrp="1"/>
+          </p:cNvSpPr>
+          <p:nvPr>
+            <p:ph idx="1"/>
+          </p:nvPr>
+        </p:nvSpPr>
+        <p:spPr/>
+        <p:txBody>
+          <a:bodyPr/>
+          <a:lstStyle/>
+          <a:p>
+            <a:r>
+              <a:rPr lang="ja-JP" altLang="en-US" dirty="0"/>
+              <a:t>第</a:t>
+            </a:r>
+            <a:r>
+              <a:rPr lang="en-US" altLang="ja-JP" dirty="0"/>
+              <a:t>1</a:t>
+            </a:r>
+            <a:r>
+              <a:rPr lang="ja-JP" altLang="en-US" dirty="0"/>
+              <a:t>トランスレーション用のコンテキストを保持する</a:t>
+            </a:r>
+            <a:endParaRPr lang="en-US" altLang="ja-JP" dirty="0"/>
+          </a:p>
+          <a:p>
+            <a:r>
+              <a:rPr lang="en-US" altLang="ja-JP" dirty="0" err="1"/>
+              <a:t>tc.PDTV</a:t>
+            </a:r>
+            <a:r>
+              <a:rPr lang="en-US" altLang="ja-JP" dirty="0"/>
+              <a:t>==1</a:t>
+            </a:r>
+            <a:r>
+              <a:rPr lang="ja-JP" altLang="en-US" dirty="0"/>
+              <a:t>の場合、このフィールドは</a:t>
+            </a:r>
+            <a:r>
+              <a:rPr lang="en-US" altLang="ja-JP" dirty="0" err="1"/>
+              <a:t>pdtp</a:t>
+            </a:r>
+            <a:r>
+              <a:rPr lang="ja-JP" altLang="en-US" dirty="0"/>
+              <a:t>を保持する</a:t>
+            </a:r>
+            <a:endParaRPr lang="en-US" altLang="ja-JP" dirty="0"/>
+          </a:p>
+          <a:p>
+            <a:pPr lvl="1"/>
+            <a:r>
+              <a:rPr kumimoji="1" lang="en-US" altLang="ja-JP" dirty="0" err="1"/>
+              <a:t>p</a:t>
+            </a:r>
+            <a:r>
+              <a:rPr lang="en-US" altLang="ja-JP" dirty="0" err="1"/>
+              <a:t>dtp</a:t>
+            </a:r>
+            <a:r>
+              <a:rPr lang="en-US" altLang="ja-JP" dirty="0"/>
+              <a:t>: Process Directory Table Pointer</a:t>
+            </a:r>
+          </a:p>
+          <a:p>
+            <a:r>
+              <a:rPr kumimoji="1" lang="en-US" altLang="ja-JP" dirty="0" err="1"/>
+              <a:t>tc.PDTV</a:t>
+            </a:r>
+            <a:r>
+              <a:rPr kumimoji="1" lang="en-US" altLang="ja-JP" dirty="0"/>
+              <a:t>==0</a:t>
+            </a:r>
+            <a:r>
+              <a:rPr kumimoji="1" lang="ja-JP" altLang="en-US" dirty="0"/>
+              <a:t>の場合、このフィールドは</a:t>
+            </a:r>
+            <a:r>
+              <a:rPr kumimoji="1" lang="en-US" altLang="ja-JP" dirty="0" err="1"/>
+              <a:t>iosatp</a:t>
+            </a:r>
+            <a:r>
+              <a:rPr kumimoji="1" lang="ja-JP" altLang="en-US" dirty="0"/>
+              <a:t>を保持する</a:t>
+            </a:r>
+            <a:endParaRPr kumimoji="1" lang="en-US" altLang="ja-JP" dirty="0"/>
+          </a:p>
+          <a:p>
+            <a:endParaRPr lang="en-US" altLang="ja-JP" dirty="0"/>
+          </a:p>
+          <a:p>
+            <a:endParaRPr kumimoji="1" lang="ja-JP" altLang="en-US" dirty="0"/>
+          </a:p>
+        </p:txBody>
+      </p:sp>
+    </p:spTree>
+    <p:extLst>
+      <p:ext uri="{BB962C8B-B14F-4D97-AF65-F5344CB8AC3E}">
+        <p14:creationId xmlns:p14="http://schemas.microsoft.com/office/powerpoint/2010/main" val="3972587810"/>
+      </p:ext>
+    </p:extLst>
+  </p:cSld>
+  <p:clrMapOvr>
+    <a:masterClrMapping/>
+  </p:clrMapOvr>
+</p:sld>
+</file>
+
+<file path=ppt/slides/slide17.xml><?xml version="1.0" encoding="utf-8"?>
+<p:sld xmlns:a="http://schemas.openxmlformats.org/drawingml/2006/main" xmlns:r="http://schemas.openxmlformats.org/officeDocument/2006/relationships" xmlns:p="http://schemas.openxmlformats.org/presentationml/2006/main">
+  <p:cSld>
+    <p:spTree>
+      <p:nvGrpSpPr>
+        <p:cNvPr id="1" name=""/>
+        <p:cNvGrpSpPr/>
+        <p:nvPr/>
+      </p:nvGrpSpPr>
+      <p:grpSpPr>
+        <a:xfrm>
+          <a:off x="0" y="0"/>
+          <a:ext cx="0" cy="0"/>
+          <a:chOff x="0" y="0"/>
+          <a:chExt cx="0" cy="0"/>
+        </a:xfrm>
+      </p:grpSpPr>
+      <p:sp>
+        <p:nvSpPr>
+          <p:cNvPr id="2" name="タイトル 1">
+            <a:extLst>
+              <a:ext uri="{FF2B5EF4-FFF2-40B4-BE49-F238E27FC236}">
+                <a16:creationId xmlns:a16="http://schemas.microsoft.com/office/drawing/2014/main" id="{B71176D3-67FA-DFE6-01A3-C5B9C1F42352}"/>
+              </a:ext>
+            </a:extLst>
+          </p:cNvPr>
+          <p:cNvSpPr>
+            <a:spLocks noGrp="1"/>
+          </p:cNvSpPr>
+          <p:nvPr>
+            <p:ph type="title"/>
+          </p:nvPr>
+        </p:nvSpPr>
+        <p:spPr/>
+        <p:txBody>
+          <a:bodyPr>
+            <a:normAutofit/>
+          </a:bodyPr>
+          <a:lstStyle/>
+          <a:p>
+            <a:r>
+              <a:rPr lang="en-US" altLang="ja-JP" sz="4400" dirty="0"/>
+              <a:t>IO Hypervisor guest address translation and protection (</a:t>
+            </a:r>
+            <a:r>
+              <a:rPr lang="en-US" altLang="ja-JP" sz="4400" dirty="0" err="1"/>
+              <a:t>iohgatp</a:t>
+            </a:r>
+            <a:r>
+              <a:rPr lang="en-US" altLang="ja-JP" sz="4400" dirty="0"/>
+              <a:t>)</a:t>
+            </a:r>
+            <a:endParaRPr kumimoji="1" lang="ja-JP" altLang="en-US" dirty="0"/>
+          </a:p>
+        </p:txBody>
+      </p:sp>
+      <p:sp>
+        <p:nvSpPr>
+          <p:cNvPr id="3" name="コンテンツ プレースホルダー 2">
+            <a:extLst>
+              <a:ext uri="{FF2B5EF4-FFF2-40B4-BE49-F238E27FC236}">
+                <a16:creationId xmlns:a16="http://schemas.microsoft.com/office/drawing/2014/main" id="{18F5A698-7D96-B6E4-6823-45E6ED55E3F5}"/>
+              </a:ext>
+            </a:extLst>
+          </p:cNvPr>
+          <p:cNvSpPr>
+            <a:spLocks noGrp="1"/>
+          </p:cNvSpPr>
+          <p:nvPr>
+            <p:ph idx="1"/>
+          </p:nvPr>
+        </p:nvSpPr>
+        <p:spPr/>
+        <p:txBody>
+          <a:bodyPr/>
+          <a:lstStyle/>
+          <a:p>
+            <a:r>
+              <a:rPr lang="en-US" altLang="ja-JP" dirty="0"/>
+              <a:t>PPN: </a:t>
+            </a:r>
+            <a:r>
+              <a:rPr lang="ja-JP" altLang="en-US" dirty="0"/>
+              <a:t>ルート・セカンドステージ・ページテーブルの</a:t>
+            </a:r>
+            <a:r>
+              <a:rPr lang="en-US" altLang="ja-JP" dirty="0"/>
+              <a:t>PPN</a:t>
+            </a:r>
+            <a:endParaRPr kumimoji="1" lang="en-US" altLang="ja-JP" dirty="0"/>
+          </a:p>
+          <a:p>
+            <a:r>
+              <a:rPr kumimoji="1" lang="en-US" altLang="ja-JP" dirty="0"/>
+              <a:t>GSCID: </a:t>
+            </a:r>
+            <a:r>
+              <a:rPr kumimoji="1" lang="ja-JP" altLang="en-US" dirty="0"/>
+              <a:t>ゲスト・ソフト・コンテキスト</a:t>
+            </a:r>
+            <a:r>
+              <a:rPr kumimoji="1" lang="en-US" altLang="ja-JP"/>
+              <a:t>ID</a:t>
+            </a:r>
+          </a:p>
+          <a:p>
+            <a:endParaRPr kumimoji="1" lang="ja-JP" altLang="en-US" dirty="0"/>
+          </a:p>
+        </p:txBody>
+      </p:sp>
+      <p:pic>
+        <p:nvPicPr>
+          <p:cNvPr id="5" name="図 4">
+            <a:extLst>
+              <a:ext uri="{FF2B5EF4-FFF2-40B4-BE49-F238E27FC236}">
+                <a16:creationId xmlns:a16="http://schemas.microsoft.com/office/drawing/2014/main" id="{684F3428-0F6A-D5EE-B8CE-18591DFED719}"/>
+              </a:ext>
+            </a:extLst>
+          </p:cNvPr>
+          <p:cNvPicPr>
+            <a:picLocks noChangeAspect="1"/>
+          </p:cNvPicPr>
+          <p:nvPr/>
+        </p:nvPicPr>
+        <p:blipFill>
+          <a:blip r:embed="rId2"/>
+          <a:stretch>
+            <a:fillRect/>
+          </a:stretch>
+        </p:blipFill>
+        <p:spPr>
+          <a:xfrm>
+            <a:off x="4648200" y="5848350"/>
+            <a:ext cx="7467600" cy="933450"/>
+          </a:xfrm>
+          <a:prstGeom prst="rect">
+            <a:avLst/>
+          </a:prstGeom>
+        </p:spPr>
+      </p:pic>
+    </p:spTree>
+    <p:extLst>
+      <p:ext uri="{BB962C8B-B14F-4D97-AF65-F5344CB8AC3E}">
+        <p14:creationId xmlns:p14="http://schemas.microsoft.com/office/powerpoint/2010/main" val="749312441"/>
       </p:ext>
     </p:extLst>
   </p:cSld>

--- a/iommu.pptx
+++ b/iommu.pptx
@@ -22,6 +22,7 @@
     <p:sldId id="270" r:id="rId16"/>
     <p:sldId id="271" r:id="rId17"/>
     <p:sldId id="272" r:id="rId18"/>
+    <p:sldId id="273" r:id="rId19"/>
   </p:sldIdLst>
   <p:sldSz cx="12192000" cy="6858000"/>
   <p:notesSz cx="6858000" cy="9144000"/>
@@ -131,7 +132,7 @@
 <file path=ppt/revisionInfo.xml><?xml version="1.0" encoding="utf-8"?>
 <p1510:revInfo xmlns:a="http://schemas.openxmlformats.org/drawingml/2006/main" xmlns:r="http://schemas.openxmlformats.org/officeDocument/2006/relationships" xmlns:p1510="http://schemas.microsoft.com/office/powerpoint/2015/10/main">
   <p1510:revLst>
-    <p1510:client id="{398F2BF9-B6C5-4F02-AF6E-B8B7429844D1}" v="33" dt="2024-10-28T16:55:46.851"/>
+    <p1510:client id="{398F2BF9-B6C5-4F02-AF6E-B8B7429844D1}" v="34" dt="2024-11-03T07:35:42.243"/>
   </p1510:revLst>
 </p1510:revInfo>
 </file>
@@ -567,7 +568,7 @@
   <pc:docChgLst>
     <pc:chgData name="Masayuki Kimura" userId="d0b54df6e5c2b0ed" providerId="LiveId" clId="{398F2BF9-B6C5-4F02-AF6E-B8B7429844D1}"/>
     <pc:docChg chg="undo custSel addSld modSld">
-      <pc:chgData name="Masayuki Kimura" userId="d0b54df6e5c2b0ed" providerId="LiveId" clId="{398F2BF9-B6C5-4F02-AF6E-B8B7429844D1}" dt="2024-10-28T16:57:18.721" v="2200" actId="20577"/>
+      <pc:chgData name="Masayuki Kimura" userId="d0b54df6e5c2b0ed" providerId="LiveId" clId="{398F2BF9-B6C5-4F02-AF6E-B8B7429844D1}" dt="2024-11-03T07:38:53.631" v="2350" actId="27636"/>
       <pc:docMkLst>
         <pc:docMk/>
       </pc:docMkLst>
@@ -1160,6 +1161,29 @@
             <ac:picMk id="5" creationId="{684F3428-0F6A-D5EE-B8CE-18591DFED719}"/>
           </ac:picMkLst>
         </pc:picChg>
+      </pc:sldChg>
+      <pc:sldChg chg="modSp new mod">
+        <pc:chgData name="Masayuki Kimura" userId="d0b54df6e5c2b0ed" providerId="LiveId" clId="{398F2BF9-B6C5-4F02-AF6E-B8B7429844D1}" dt="2024-11-03T07:38:53.631" v="2350" actId="27636"/>
+        <pc:sldMkLst>
+          <pc:docMk/>
+          <pc:sldMk cId="3511740059" sldId="273"/>
+        </pc:sldMkLst>
+        <pc:spChg chg="mod">
+          <ac:chgData name="Masayuki Kimura" userId="d0b54df6e5c2b0ed" providerId="LiveId" clId="{398F2BF9-B6C5-4F02-AF6E-B8B7429844D1}" dt="2024-11-03T07:35:50.482" v="2205"/>
+          <ac:spMkLst>
+            <pc:docMk/>
+            <pc:sldMk cId="3511740059" sldId="273"/>
+            <ac:spMk id="2" creationId="{AE80FF94-1922-3340-E94E-B8AE33D682E7}"/>
+          </ac:spMkLst>
+        </pc:spChg>
+        <pc:spChg chg="mod">
+          <ac:chgData name="Masayuki Kimura" userId="d0b54df6e5c2b0ed" providerId="LiveId" clId="{398F2BF9-B6C5-4F02-AF6E-B8B7429844D1}" dt="2024-11-03T07:38:53.631" v="2350" actId="27636"/>
+          <ac:spMkLst>
+            <pc:docMk/>
+            <pc:sldMk cId="3511740059" sldId="273"/>
+            <ac:spMk id="3" creationId="{B1696C28-650B-9BA7-B3E7-1F45A0020857}"/>
+          </ac:spMkLst>
+        </pc:spChg>
       </pc:sldChg>
     </pc:docChg>
   </pc:docChgLst>
@@ -1295,7 +1319,7 @@
           <a:p>
             <a:fld id="{0E02A643-9BB0-4E02-80B2-2C0A5E5D738E}" type="datetimeFigureOut">
               <a:rPr kumimoji="1" lang="ja-JP" altLang="en-US" smtClean="0"/>
-              <a:t>2024/10/27</a:t>
+              <a:t>2024/11/3</a:t>
             </a:fld>
             <a:endParaRPr kumimoji="1" lang="ja-JP" altLang="en-US"/>
           </a:p>
@@ -1495,7 +1519,7 @@
           <a:p>
             <a:fld id="{0E02A643-9BB0-4E02-80B2-2C0A5E5D738E}" type="datetimeFigureOut">
               <a:rPr kumimoji="1" lang="ja-JP" altLang="en-US" smtClean="0"/>
-              <a:t>2024/10/27</a:t>
+              <a:t>2024/11/3</a:t>
             </a:fld>
             <a:endParaRPr kumimoji="1" lang="ja-JP" altLang="en-US"/>
           </a:p>
@@ -1705,7 +1729,7 @@
           <a:p>
             <a:fld id="{0E02A643-9BB0-4E02-80B2-2C0A5E5D738E}" type="datetimeFigureOut">
               <a:rPr kumimoji="1" lang="ja-JP" altLang="en-US" smtClean="0"/>
-              <a:t>2024/10/27</a:t>
+              <a:t>2024/11/3</a:t>
             </a:fld>
             <a:endParaRPr kumimoji="1" lang="ja-JP" altLang="en-US"/>
           </a:p>
@@ -1905,7 +1929,7 @@
           <a:p>
             <a:fld id="{0E02A643-9BB0-4E02-80B2-2C0A5E5D738E}" type="datetimeFigureOut">
               <a:rPr kumimoji="1" lang="ja-JP" altLang="en-US" smtClean="0"/>
-              <a:t>2024/10/27</a:t>
+              <a:t>2024/11/3</a:t>
             </a:fld>
             <a:endParaRPr kumimoji="1" lang="ja-JP" altLang="en-US"/>
           </a:p>
@@ -2150,7 +2174,7 @@
           <a:p>
             <a:fld id="{0E02A643-9BB0-4E02-80B2-2C0A5E5D738E}" type="datetimeFigureOut">
               <a:rPr kumimoji="1" lang="ja-JP" altLang="en-US" smtClean="0"/>
-              <a:t>2024/10/27</a:t>
+              <a:t>2024/11/3</a:t>
             </a:fld>
             <a:endParaRPr kumimoji="1" lang="ja-JP" altLang="en-US"/>
           </a:p>
@@ -2443,7 +2467,7 @@
           <a:p>
             <a:fld id="{0E02A643-9BB0-4E02-80B2-2C0A5E5D738E}" type="datetimeFigureOut">
               <a:rPr kumimoji="1" lang="ja-JP" altLang="en-US" smtClean="0"/>
-              <a:t>2024/10/27</a:t>
+              <a:t>2024/11/3</a:t>
             </a:fld>
             <a:endParaRPr kumimoji="1" lang="ja-JP" altLang="en-US"/>
           </a:p>
@@ -2871,7 +2895,7 @@
           <a:p>
             <a:fld id="{0E02A643-9BB0-4E02-80B2-2C0A5E5D738E}" type="datetimeFigureOut">
               <a:rPr kumimoji="1" lang="ja-JP" altLang="en-US" smtClean="0"/>
-              <a:t>2024/10/27</a:t>
+              <a:t>2024/11/3</a:t>
             </a:fld>
             <a:endParaRPr kumimoji="1" lang="ja-JP" altLang="en-US"/>
           </a:p>
@@ -2988,7 +3012,7 @@
           <a:p>
             <a:fld id="{0E02A643-9BB0-4E02-80B2-2C0A5E5D738E}" type="datetimeFigureOut">
               <a:rPr kumimoji="1" lang="ja-JP" altLang="en-US" smtClean="0"/>
-              <a:t>2024/10/27</a:t>
+              <a:t>2024/11/3</a:t>
             </a:fld>
             <a:endParaRPr kumimoji="1" lang="ja-JP" altLang="en-US"/>
           </a:p>
@@ -3083,7 +3107,7 @@
           <a:p>
             <a:fld id="{0E02A643-9BB0-4E02-80B2-2C0A5E5D738E}" type="datetimeFigureOut">
               <a:rPr kumimoji="1" lang="ja-JP" altLang="en-US" smtClean="0"/>
-              <a:t>2024/10/27</a:t>
+              <a:t>2024/11/3</a:t>
             </a:fld>
             <a:endParaRPr kumimoji="1" lang="ja-JP" altLang="en-US"/>
           </a:p>
@@ -3390,7 +3414,7 @@
           <a:p>
             <a:fld id="{0E02A643-9BB0-4E02-80B2-2C0A5E5D738E}" type="datetimeFigureOut">
               <a:rPr kumimoji="1" lang="ja-JP" altLang="en-US" smtClean="0"/>
-              <a:t>2024/10/27</a:t>
+              <a:t>2024/11/3</a:t>
             </a:fld>
             <a:endParaRPr kumimoji="1" lang="ja-JP" altLang="en-US"/>
           </a:p>
@@ -3642,7 +3666,7 @@
           <a:p>
             <a:fld id="{0E02A643-9BB0-4E02-80B2-2C0A5E5D738E}" type="datetimeFigureOut">
               <a:rPr kumimoji="1" lang="ja-JP" altLang="en-US" smtClean="0"/>
-              <a:t>2024/10/27</a:t>
+              <a:t>2024/11/3</a:t>
             </a:fld>
             <a:endParaRPr kumimoji="1" lang="ja-JP" altLang="en-US"/>
           </a:p>
@@ -3885,7 +3909,7 @@
           <a:p>
             <a:fld id="{0E02A643-9BB0-4E02-80B2-2C0A5E5D738E}" type="datetimeFigureOut">
               <a:rPr kumimoji="1" lang="ja-JP" altLang="en-US" smtClean="0"/>
-              <a:t>2024/10/27</a:t>
+              <a:t>2024/11/3</a:t>
             </a:fld>
             <a:endParaRPr kumimoji="1" lang="ja-JP" altLang="en-US"/>
           </a:p>
@@ -7154,6 +7178,365 @@
     <p:extLst>
       <p:ext uri="{BB962C8B-B14F-4D97-AF65-F5344CB8AC3E}">
         <p14:creationId xmlns:p14="http://schemas.microsoft.com/office/powerpoint/2010/main" val="749312441"/>
+      </p:ext>
+    </p:extLst>
+  </p:cSld>
+  <p:clrMapOvr>
+    <a:masterClrMapping/>
+  </p:clrMapOvr>
+</p:sld>
+</file>
+
+<file path=ppt/slides/slide18.xml><?xml version="1.0" encoding="utf-8"?>
+<p:sld xmlns:a="http://schemas.openxmlformats.org/drawingml/2006/main" xmlns:r="http://schemas.openxmlformats.org/officeDocument/2006/relationships" xmlns:p="http://schemas.openxmlformats.org/presentationml/2006/main">
+  <p:cSld>
+    <p:spTree>
+      <p:nvGrpSpPr>
+        <p:cNvPr id="1" name=""/>
+        <p:cNvGrpSpPr/>
+        <p:nvPr/>
+      </p:nvGrpSpPr>
+      <p:grpSpPr>
+        <a:xfrm>
+          <a:off x="0" y="0"/>
+          <a:ext cx="0" cy="0"/>
+          <a:chOff x="0" y="0"/>
+          <a:chExt cx="0" cy="0"/>
+        </a:xfrm>
+      </p:grpSpPr>
+      <p:sp>
+        <p:nvSpPr>
+          <p:cNvPr id="2" name="タイトル 1">
+            <a:extLst>
+              <a:ext uri="{FF2B5EF4-FFF2-40B4-BE49-F238E27FC236}">
+                <a16:creationId xmlns:a16="http://schemas.microsoft.com/office/drawing/2014/main" id="{AE80FF94-1922-3340-E94E-B8AE33D682E7}"/>
+              </a:ext>
+            </a:extLst>
+          </p:cNvPr>
+          <p:cNvSpPr>
+            <a:spLocks noGrp="1"/>
+          </p:cNvSpPr>
+          <p:nvPr>
+            <p:ph type="title"/>
+          </p:nvPr>
+        </p:nvSpPr>
+        <p:spPr/>
+        <p:txBody>
+          <a:bodyPr/>
+          <a:lstStyle/>
+          <a:p>
+            <a:r>
+              <a:rPr lang="en-US" altLang="ja-JP" dirty="0"/>
+              <a:t>2.1.4. Device-context configuration checks</a:t>
+            </a:r>
+            <a:endParaRPr kumimoji="1" lang="ja-JP" altLang="en-US" dirty="0"/>
+          </a:p>
+        </p:txBody>
+      </p:sp>
+      <p:sp>
+        <p:nvSpPr>
+          <p:cNvPr id="3" name="コンテンツ プレースホルダー 2">
+            <a:extLst>
+              <a:ext uri="{FF2B5EF4-FFF2-40B4-BE49-F238E27FC236}">
+                <a16:creationId xmlns:a16="http://schemas.microsoft.com/office/drawing/2014/main" id="{B1696C28-650B-9BA7-B3E7-1F45A0020857}"/>
+              </a:ext>
+            </a:extLst>
+          </p:cNvPr>
+          <p:cNvSpPr>
+            <a:spLocks noGrp="1"/>
+          </p:cNvSpPr>
+          <p:nvPr>
+            <p:ph idx="1"/>
+          </p:nvPr>
+        </p:nvSpPr>
+        <p:spPr>
+          <a:xfrm>
+            <a:off x="457200" y="1825624"/>
+            <a:ext cx="11277600" cy="4879976"/>
+          </a:xfrm>
+        </p:spPr>
+        <p:txBody>
+          <a:bodyPr>
+            <a:normAutofit fontScale="85000" lnSpcReduction="10000"/>
+          </a:bodyPr>
+          <a:lstStyle/>
+          <a:p>
+            <a:r>
+              <a:rPr kumimoji="1" lang="ja-JP" altLang="en-US" dirty="0"/>
+              <a:t>デバイスコンテキスト </a:t>
+            </a:r>
+            <a:r>
+              <a:rPr kumimoji="1" lang="en-US" altLang="ja-JP" dirty="0"/>
+              <a:t>(DC) </a:t>
+            </a:r>
+            <a:r>
+              <a:rPr kumimoji="1" lang="ja-JP" altLang="en-US" dirty="0"/>
+              <a:t>の設定が誤っているとされる例</a:t>
+            </a:r>
+            <a:endParaRPr kumimoji="1" lang="en-US" altLang="ja-JP" dirty="0"/>
+          </a:p>
+          <a:p>
+            <a:pPr lvl="1"/>
+            <a:r>
+              <a:rPr kumimoji="1" lang="ja-JP" altLang="en-US" dirty="0"/>
+              <a:t>これらの条件が該当する場合、</a:t>
+            </a:r>
+            <a:r>
+              <a:rPr kumimoji="1" lang="en-US" altLang="ja-JP" dirty="0"/>
+              <a:t>DDT</a:t>
+            </a:r>
+            <a:r>
+              <a:rPr kumimoji="1" lang="ja-JP" altLang="en-US" dirty="0"/>
+              <a:t>エントリ誤構成」エラー（</a:t>
+            </a:r>
+            <a:r>
+              <a:rPr kumimoji="1" lang="en-US" altLang="ja-JP" dirty="0"/>
+              <a:t>cause=259</a:t>
+            </a:r>
+            <a:r>
+              <a:rPr kumimoji="1" lang="ja-JP" altLang="en-US" dirty="0"/>
+              <a:t>）</a:t>
+            </a:r>
+            <a:endParaRPr kumimoji="1" lang="en-US" altLang="ja-JP" dirty="0"/>
+          </a:p>
+          <a:p>
+            <a:r>
+              <a:rPr kumimoji="1" lang="ja-JP" altLang="en-US" dirty="0"/>
+              <a:t>予約済みビットやエンコーディングの使用：</a:t>
+            </a:r>
+            <a:endParaRPr kumimoji="1" lang="en-US" altLang="ja-JP" dirty="0"/>
+          </a:p>
+          <a:p>
+            <a:pPr lvl="1"/>
+            <a:r>
+              <a:rPr kumimoji="1" lang="en-US" altLang="ja-JP" dirty="0"/>
+              <a:t>DC</a:t>
+            </a:r>
+            <a:r>
+              <a:rPr kumimoji="1" lang="ja-JP" altLang="en-US" dirty="0"/>
+              <a:t>内で予約されているビットが設定されている、または使用されてい</a:t>
+            </a:r>
+            <a:r>
+              <a:rPr lang="ja-JP" altLang="en-US" dirty="0"/>
+              <a:t>る場合</a:t>
+            </a:r>
+            <a:endParaRPr lang="en-US" altLang="ja-JP" dirty="0"/>
+          </a:p>
+          <a:p>
+            <a:r>
+              <a:rPr kumimoji="1" lang="en-US" altLang="ja-JP" dirty="0" err="1">
+                <a:latin typeface="Consolas" panose="020B0609020204030204" pitchFamily="49" charset="0"/>
+              </a:rPr>
+              <a:t>capabilities.ATS</a:t>
+            </a:r>
+            <a:r>
+              <a:rPr kumimoji="1" lang="ja-JP" altLang="en-US" dirty="0"/>
+              <a:t>と他のフィールドの不整合：</a:t>
+            </a:r>
+            <a:endParaRPr kumimoji="1" lang="en-US" altLang="ja-JP" dirty="0"/>
+          </a:p>
+          <a:p>
+            <a:pPr lvl="1"/>
+            <a:r>
+              <a:rPr kumimoji="1" lang="en-US" altLang="ja-JP" dirty="0" err="1"/>
+              <a:t>DC.tc.EN_ATS</a:t>
+            </a:r>
+            <a:r>
+              <a:rPr kumimoji="1" lang="ja-JP" altLang="en-US" dirty="0"/>
+              <a:t>、</a:t>
+            </a:r>
+            <a:r>
+              <a:rPr kumimoji="1" lang="en-US" altLang="ja-JP" dirty="0" err="1"/>
+              <a:t>DC.tc.EN_PRI</a:t>
+            </a:r>
+            <a:r>
+              <a:rPr kumimoji="1" lang="ja-JP" altLang="en-US" dirty="0"/>
+              <a:t>、</a:t>
+            </a:r>
+            <a:r>
+              <a:rPr kumimoji="1" lang="en-US" altLang="ja-JP" dirty="0" err="1"/>
+              <a:t>DC.tc.PRPR</a:t>
+            </a:r>
+            <a:r>
+              <a:rPr kumimoji="1" lang="en-US" altLang="ja-JP" dirty="0"/>
+              <a:t> </a:t>
+            </a:r>
+            <a:r>
+              <a:rPr kumimoji="1" lang="ja-JP" altLang="en-US" dirty="0"/>
+              <a:t>などのフィールドが </a:t>
+            </a:r>
+            <a:r>
+              <a:rPr kumimoji="1" lang="en-US" altLang="ja-JP" dirty="0" err="1"/>
+              <a:t>capabilities.ATS</a:t>
+            </a:r>
+            <a:r>
+              <a:rPr kumimoji="1" lang="en-US" altLang="ja-JP" dirty="0"/>
+              <a:t> </a:t>
+            </a:r>
+            <a:r>
+              <a:rPr kumimoji="1" lang="ja-JP" altLang="en-US" dirty="0"/>
+              <a:t>の状態と一致していない場合</a:t>
+            </a:r>
+            <a:endParaRPr kumimoji="1" lang="en-US" altLang="ja-JP" dirty="0"/>
+          </a:p>
+          <a:p>
+            <a:r>
+              <a:rPr kumimoji="1" lang="en-US" altLang="ja-JP" dirty="0">
+                <a:latin typeface="Consolas" panose="020B0609020204030204" pitchFamily="49" charset="0"/>
+              </a:rPr>
+              <a:t>DC.tc.T2GPA</a:t>
+            </a:r>
+            <a:r>
+              <a:rPr kumimoji="1" lang="ja-JP" altLang="en-US" dirty="0"/>
+              <a:t>と</a:t>
+            </a:r>
+            <a:r>
+              <a:rPr kumimoji="1" lang="en-US" altLang="ja-JP" dirty="0" err="1">
+                <a:latin typeface="Consolas" panose="020B0609020204030204" pitchFamily="49" charset="0"/>
+              </a:rPr>
+              <a:t>DC.tc.EN_ATS</a:t>
+            </a:r>
+            <a:r>
+              <a:rPr kumimoji="1" lang="ja-JP" altLang="en-US" dirty="0"/>
+              <a:t>の不適合：</a:t>
+            </a:r>
+            <a:endParaRPr kumimoji="1" lang="en-US" altLang="ja-JP" dirty="0"/>
+          </a:p>
+          <a:p>
+            <a:pPr lvl="1"/>
+            <a:r>
+              <a:rPr kumimoji="1" lang="en-US" altLang="ja-JP" dirty="0">
+                <a:latin typeface="Consolas" panose="020B0609020204030204" pitchFamily="49" charset="0"/>
+              </a:rPr>
+              <a:t>DC.tc.T2GPA</a:t>
+            </a:r>
+            <a:r>
+              <a:rPr kumimoji="1" lang="ja-JP" altLang="en-US" dirty="0"/>
+              <a:t>フィールドが設定されている場合に、それが </a:t>
+            </a:r>
+            <a:r>
+              <a:rPr kumimoji="1" lang="en-US" altLang="ja-JP" dirty="0" err="1">
+                <a:latin typeface="Consolas" panose="020B0609020204030204" pitchFamily="49" charset="0"/>
+              </a:rPr>
+              <a:t>DC.tc.EN_ATS</a:t>
+            </a:r>
+            <a:r>
+              <a:rPr kumimoji="1" lang="en-US" altLang="ja-JP" dirty="0"/>
+              <a:t> </a:t>
+            </a:r>
+            <a:r>
+              <a:rPr kumimoji="1" lang="ja-JP" altLang="en-US" dirty="0"/>
+              <a:t>と適合しない場合。</a:t>
+            </a:r>
+            <a:endParaRPr kumimoji="1" lang="en-US" altLang="ja-JP" dirty="0"/>
+          </a:p>
+          <a:p>
+            <a:r>
+              <a:rPr kumimoji="1" lang="en-US" altLang="ja-JP" dirty="0"/>
+              <a:t>PDTP</a:t>
+            </a:r>
+            <a:r>
+              <a:rPr kumimoji="1" lang="ja-JP" altLang="en-US" dirty="0"/>
+              <a:t>モード や </a:t>
+            </a:r>
+            <a:r>
+              <a:rPr kumimoji="1" lang="en-US" altLang="ja-JP" dirty="0">
+                <a:latin typeface="Consolas" panose="020B0609020204030204" pitchFamily="49" charset="0"/>
+              </a:rPr>
+              <a:t>IOSATP.MODE</a:t>
+            </a:r>
+            <a:r>
+              <a:rPr kumimoji="1" lang="ja-JP" altLang="en-US" dirty="0"/>
+              <a:t>のサポート不一致：</a:t>
+            </a:r>
+            <a:endParaRPr kumimoji="1" lang="en-US" altLang="ja-JP" dirty="0"/>
+          </a:p>
+          <a:p>
+            <a:pPr lvl="1"/>
+            <a:r>
+              <a:rPr kumimoji="1" lang="ja-JP" altLang="en-US" dirty="0"/>
+              <a:t>特定のフラグが設定されている場合に、</a:t>
+            </a:r>
+            <a:r>
+              <a:rPr kumimoji="1" lang="en-US" altLang="ja-JP" dirty="0"/>
+              <a:t>PDTP</a:t>
+            </a:r>
+            <a:r>
+              <a:rPr kumimoji="1" lang="ja-JP" altLang="en-US" dirty="0"/>
+              <a:t>モードや</a:t>
+            </a:r>
+            <a:r>
+              <a:rPr kumimoji="1" lang="en-US" altLang="ja-JP" dirty="0">
+                <a:latin typeface="Consolas" panose="020B0609020204030204" pitchFamily="49" charset="0"/>
+              </a:rPr>
+              <a:t>IOSATP.MODE</a:t>
+            </a:r>
+            <a:r>
+              <a:rPr kumimoji="1" lang="ja-JP" altLang="en-US" dirty="0"/>
+              <a:t>がサポートされていない場合。</a:t>
+            </a:r>
+            <a:endParaRPr kumimoji="1" lang="en-US" altLang="ja-JP" dirty="0"/>
+          </a:p>
+          <a:p>
+            <a:r>
+              <a:rPr kumimoji="1" lang="en-US" altLang="ja-JP" dirty="0"/>
+              <a:t>ATS</a:t>
+            </a:r>
+            <a:r>
+              <a:rPr kumimoji="1" lang="ja-JP" altLang="en-US" dirty="0"/>
+              <a:t>、</a:t>
+            </a:r>
+            <a:r>
+              <a:rPr kumimoji="1" lang="en-US" altLang="ja-JP" dirty="0"/>
+              <a:t>PRI</a:t>
+            </a:r>
+            <a:r>
+              <a:rPr kumimoji="1" lang="ja-JP" altLang="en-US" dirty="0"/>
+              <a:t>、</a:t>
+            </a:r>
+            <a:r>
+              <a:rPr kumimoji="1" lang="en-US" altLang="ja-JP" dirty="0"/>
+              <a:t>T2GPA</a:t>
+            </a:r>
+            <a:r>
+              <a:rPr kumimoji="1" lang="ja-JP" altLang="en-US" dirty="0"/>
+              <a:t>機能に関連する他の不整合：</a:t>
+            </a:r>
+            <a:endParaRPr kumimoji="1" lang="en-US" altLang="ja-JP" dirty="0"/>
+          </a:p>
+          <a:p>
+            <a:pPr lvl="1"/>
+            <a:r>
+              <a:rPr kumimoji="1" lang="en-US" altLang="ja-JP" dirty="0"/>
+              <a:t>ATS</a:t>
+            </a:r>
+            <a:r>
+              <a:rPr kumimoji="1" lang="ja-JP" altLang="en-US" dirty="0"/>
+              <a:t>、</a:t>
+            </a:r>
+            <a:r>
+              <a:rPr kumimoji="1" lang="en-US" altLang="ja-JP" dirty="0"/>
+              <a:t>PRI</a:t>
+            </a:r>
+            <a:r>
+              <a:rPr kumimoji="1" lang="ja-JP" altLang="en-US" dirty="0"/>
+              <a:t>、または</a:t>
+            </a:r>
+            <a:r>
+              <a:rPr kumimoji="1" lang="en-US" altLang="ja-JP" dirty="0"/>
+              <a:t>T2GPA</a:t>
+            </a:r>
+            <a:r>
+              <a:rPr kumimoji="1" lang="ja-JP" altLang="en-US" dirty="0"/>
+              <a:t>の機能が有効化されている際に、それらの設定が正しく行われていない場合。</a:t>
+            </a:r>
+          </a:p>
+        </p:txBody>
+      </p:sp>
+    </p:spTree>
+    <p:extLst>
+      <p:ext uri="{BB962C8B-B14F-4D97-AF65-F5344CB8AC3E}">
+        <p14:creationId xmlns:p14="http://schemas.microsoft.com/office/powerpoint/2010/main" val="3511740059"/>
       </p:ext>
     </p:extLst>
   </p:cSld>

--- a/iommu.pptx
+++ b/iommu.pptx
@@ -22,7 +22,9 @@
     <p:sldId id="270" r:id="rId16"/>
     <p:sldId id="271" r:id="rId17"/>
     <p:sldId id="272" r:id="rId18"/>
-    <p:sldId id="273" r:id="rId19"/>
+    <p:sldId id="274" r:id="rId19"/>
+    <p:sldId id="275" r:id="rId20"/>
+    <p:sldId id="273" r:id="rId21"/>
   </p:sldIdLst>
   <p:sldSz cx="12192000" cy="6858000"/>
   <p:notesSz cx="6858000" cy="9144000"/>
@@ -132,7 +134,7 @@
 <file path=ppt/revisionInfo.xml><?xml version="1.0" encoding="utf-8"?>
 <p1510:revInfo xmlns:a="http://schemas.openxmlformats.org/drawingml/2006/main" xmlns:r="http://schemas.openxmlformats.org/officeDocument/2006/relationships" xmlns:p1510="http://schemas.microsoft.com/office/powerpoint/2015/10/main">
   <p1510:revLst>
-    <p1510:client id="{398F2BF9-B6C5-4F02-AF6E-B8B7429844D1}" v="34" dt="2024-11-03T07:35:42.243"/>
+    <p1510:client id="{398F2BF9-B6C5-4F02-AF6E-B8B7429844D1}" v="41" dt="2024-11-03T14:24:09.663"/>
   </p1510:revLst>
 </p1510:revInfo>
 </file>
@@ -568,7 +570,7 @@
   <pc:docChgLst>
     <pc:chgData name="Masayuki Kimura" userId="d0b54df6e5c2b0ed" providerId="LiveId" clId="{398F2BF9-B6C5-4F02-AF6E-B8B7429844D1}"/>
     <pc:docChg chg="undo custSel addSld modSld">
-      <pc:chgData name="Masayuki Kimura" userId="d0b54df6e5c2b0ed" providerId="LiveId" clId="{398F2BF9-B6C5-4F02-AF6E-B8B7429844D1}" dt="2024-11-03T07:38:53.631" v="2350" actId="27636"/>
+      <pc:chgData name="Masayuki Kimura" userId="d0b54df6e5c2b0ed" providerId="LiveId" clId="{398F2BF9-B6C5-4F02-AF6E-B8B7429844D1}" dt="2024-11-03T14:24:31.776" v="2850" actId="20577"/>
       <pc:docMkLst>
         <pc:docMk/>
       </pc:docMkLst>
@@ -1184,6 +1186,76 @@
             <ac:spMk id="3" creationId="{B1696C28-650B-9BA7-B3E7-1F45A0020857}"/>
           </ac:spMkLst>
         </pc:spChg>
+      </pc:sldChg>
+      <pc:sldChg chg="addSp delSp modSp new mod">
+        <pc:chgData name="Masayuki Kimura" userId="d0b54df6e5c2b0ed" providerId="LiveId" clId="{398F2BF9-B6C5-4F02-AF6E-B8B7429844D1}" dt="2024-11-03T14:24:31.776" v="2850" actId="20577"/>
+        <pc:sldMkLst>
+          <pc:docMk/>
+          <pc:sldMk cId="265365547" sldId="274"/>
+        </pc:sldMkLst>
+        <pc:spChg chg="mod">
+          <ac:chgData name="Masayuki Kimura" userId="d0b54df6e5c2b0ed" providerId="LiveId" clId="{398F2BF9-B6C5-4F02-AF6E-B8B7429844D1}" dt="2024-11-03T14:03:05.604" v="2378" actId="20577"/>
+          <ac:spMkLst>
+            <pc:docMk/>
+            <pc:sldMk cId="265365547" sldId="274"/>
+            <ac:spMk id="2" creationId="{BDDB24CE-A508-1E96-CE27-FF2A73BD472F}"/>
+          </ac:spMkLst>
+        </pc:spChg>
+        <pc:spChg chg="del">
+          <ac:chgData name="Masayuki Kimura" userId="d0b54df6e5c2b0ed" providerId="LiveId" clId="{398F2BF9-B6C5-4F02-AF6E-B8B7429844D1}" dt="2024-11-03T14:01:45.559" v="2352" actId="3680"/>
+          <ac:spMkLst>
+            <pc:docMk/>
+            <pc:sldMk cId="265365547" sldId="274"/>
+            <ac:spMk id="3" creationId="{F347E25F-E5B5-2AD1-EE8B-90586646E6EB}"/>
+          </ac:spMkLst>
+        </pc:spChg>
+        <pc:graphicFrameChg chg="add mod ord modGraphic">
+          <ac:chgData name="Masayuki Kimura" userId="d0b54df6e5c2b0ed" providerId="LiveId" clId="{398F2BF9-B6C5-4F02-AF6E-B8B7429844D1}" dt="2024-11-03T14:24:31.776" v="2850" actId="20577"/>
+          <ac:graphicFrameMkLst>
+            <pc:docMk/>
+            <pc:sldMk cId="265365547" sldId="274"/>
+            <ac:graphicFrameMk id="4" creationId="{4887CF78-2CF5-9BE5-42EA-E7EB35EBE33F}"/>
+          </ac:graphicFrameMkLst>
+        </pc:graphicFrameChg>
+        <pc:picChg chg="add del mod">
+          <ac:chgData name="Masayuki Kimura" userId="d0b54df6e5c2b0ed" providerId="LiveId" clId="{398F2BF9-B6C5-4F02-AF6E-B8B7429844D1}" dt="2024-11-03T14:24:00.502" v="2834" actId="478"/>
+          <ac:picMkLst>
+            <pc:docMk/>
+            <pc:sldMk cId="265365547" sldId="274"/>
+            <ac:picMk id="6" creationId="{88BE53E9-4E3D-FFFD-7501-3DA1EF064175}"/>
+          </ac:picMkLst>
+        </pc:picChg>
+        <pc:picChg chg="add del mod">
+          <ac:chgData name="Masayuki Kimura" userId="d0b54df6e5c2b0ed" providerId="LiveId" clId="{398F2BF9-B6C5-4F02-AF6E-B8B7429844D1}" dt="2024-11-03T14:24:29.778" v="2848" actId="478"/>
+          <ac:picMkLst>
+            <pc:docMk/>
+            <pc:sldMk cId="265365547" sldId="274"/>
+            <ac:picMk id="8" creationId="{36201280-C5AB-E7EE-F9D5-7E4D9F5AF6A3}"/>
+          </ac:picMkLst>
+        </pc:picChg>
+      </pc:sldChg>
+      <pc:sldChg chg="addSp modSp new mod">
+        <pc:chgData name="Masayuki Kimura" userId="d0b54df6e5c2b0ed" providerId="LiveId" clId="{398F2BF9-B6C5-4F02-AF6E-B8B7429844D1}" dt="2024-11-03T14:21:08.699" v="2827" actId="20577"/>
+        <pc:sldMkLst>
+          <pc:docMk/>
+          <pc:sldMk cId="2830082271" sldId="275"/>
+        </pc:sldMkLst>
+        <pc:spChg chg="mod">
+          <ac:chgData name="Masayuki Kimura" userId="d0b54df6e5c2b0ed" providerId="LiveId" clId="{398F2BF9-B6C5-4F02-AF6E-B8B7429844D1}" dt="2024-11-03T14:21:08.699" v="2827" actId="20577"/>
+          <ac:spMkLst>
+            <pc:docMk/>
+            <pc:sldMk cId="2830082271" sldId="275"/>
+            <ac:spMk id="2" creationId="{2698C0AB-DD34-7340-B65C-2D0A5CA851CA}"/>
+          </ac:spMkLst>
+        </pc:spChg>
+        <pc:graphicFrameChg chg="add mod modGraphic">
+          <ac:chgData name="Masayuki Kimura" userId="d0b54df6e5c2b0ed" providerId="LiveId" clId="{398F2BF9-B6C5-4F02-AF6E-B8B7429844D1}" dt="2024-11-03T14:20:31.834" v="2811" actId="20577"/>
+          <ac:graphicFrameMkLst>
+            <pc:docMk/>
+            <pc:sldMk cId="2830082271" sldId="275"/>
+            <ac:graphicFrameMk id="4" creationId="{3D634456-60E5-A10F-9FC5-E175CB1379FA}"/>
+          </ac:graphicFrameMkLst>
+        </pc:graphicFrameChg>
       </pc:sldChg>
     </pc:docChg>
   </pc:docChgLst>
@@ -7209,7 +7281,7 @@
           <p:cNvPr id="2" name="タイトル 1">
             <a:extLst>
               <a:ext uri="{FF2B5EF4-FFF2-40B4-BE49-F238E27FC236}">
-                <a16:creationId xmlns:a16="http://schemas.microsoft.com/office/drawing/2014/main" id="{AE80FF94-1922-3340-E94E-B8AE33D682E7}"/>
+                <a16:creationId xmlns:a16="http://schemas.microsoft.com/office/drawing/2014/main" id="{BDDB24CE-A508-1E96-CE27-FF2A73BD472F}"/>
               </a:ext>
             </a:extLst>
           </p:cNvPr>
@@ -7226,8 +7298,545 @@
           <a:lstStyle/>
           <a:p>
             <a:r>
-              <a:rPr lang="en-US" altLang="ja-JP" dirty="0"/>
-              <a:t>2.1.4. Device-context configuration checks</a:t>
+              <a:rPr kumimoji="1" lang="en-US" altLang="ja-JP" dirty="0"/>
+              <a:t>Leaf DDT entry</a:t>
+            </a:r>
+            <a:endParaRPr kumimoji="1" lang="ja-JP" altLang="en-US" dirty="0"/>
+          </a:p>
+        </p:txBody>
+      </p:sp>
+      <p:graphicFrame>
+        <p:nvGraphicFramePr>
+          <p:cNvPr id="4" name="コンテンツ プレースホルダー 3">
+            <a:extLst>
+              <a:ext uri="{FF2B5EF4-FFF2-40B4-BE49-F238E27FC236}">
+                <a16:creationId xmlns:a16="http://schemas.microsoft.com/office/drawing/2014/main" id="{4887CF78-2CF5-9BE5-42EA-E7EB35EBE33F}"/>
+              </a:ext>
+            </a:extLst>
+          </p:cNvPr>
+          <p:cNvGraphicFramePr>
+            <a:graphicFrameLocks noGrp="1"/>
+          </p:cNvGraphicFramePr>
+          <p:nvPr>
+            <p:ph idx="1"/>
+            <p:extLst>
+              <p:ext uri="{D42A27DB-BD31-4B8C-83A1-F6EECF244321}">
+                <p14:modId xmlns:p14="http://schemas.microsoft.com/office/powerpoint/2010/main" val="3076500378"/>
+              </p:ext>
+            </p:extLst>
+          </p:nvPr>
+        </p:nvGraphicFramePr>
+        <p:xfrm>
+          <a:off x="533400" y="1524000"/>
+          <a:ext cx="11125200" cy="4856480"/>
+        </p:xfrm>
+        <a:graphic>
+          <a:graphicData uri="http://schemas.openxmlformats.org/drawingml/2006/table">
+            <a:tbl>
+              <a:tblPr firstRow="1" bandRow="1">
+                <a:tableStyleId>{5C22544A-7EE6-4342-B048-85BDC9FD1C3A}</a:tableStyleId>
+              </a:tblPr>
+              <a:tblGrid>
+                <a:gridCol w="2819400">
+                  <a:extLst>
+                    <a:ext uri="{9D8B030D-6E8A-4147-A177-3AD203B41FA5}">
+                      <a16:colId xmlns:a16="http://schemas.microsoft.com/office/drawing/2014/main" val="2583835759"/>
+                    </a:ext>
+                  </a:extLst>
+                </a:gridCol>
+                <a:gridCol w="1027430">
+                  <a:extLst>
+                    <a:ext uri="{9D8B030D-6E8A-4147-A177-3AD203B41FA5}">
+                      <a16:colId xmlns:a16="http://schemas.microsoft.com/office/drawing/2014/main" val="4251334946"/>
+                    </a:ext>
+                  </a:extLst>
+                </a:gridCol>
+                <a:gridCol w="7278370">
+                  <a:extLst>
+                    <a:ext uri="{9D8B030D-6E8A-4147-A177-3AD203B41FA5}">
+                      <a16:colId xmlns:a16="http://schemas.microsoft.com/office/drawing/2014/main" val="1527324766"/>
+                    </a:ext>
+                  </a:extLst>
+                </a:gridCol>
+              </a:tblGrid>
+              <a:tr h="370840">
+                <a:tc>
+                  <a:txBody>
+                    <a:bodyPr/>
+                    <a:lstStyle/>
+                    <a:p>
+                      <a:r>
+                        <a:rPr kumimoji="1" lang="en-US" altLang="ja-JP" dirty="0"/>
+                        <a:t>Name</a:t>
+                      </a:r>
+                      <a:endParaRPr kumimoji="1" lang="ja-JP" altLang="en-US" dirty="0"/>
+                    </a:p>
+                  </a:txBody>
+                  <a:tcPr/>
+                </a:tc>
+                <a:tc>
+                  <a:txBody>
+                    <a:bodyPr/>
+                    <a:lstStyle/>
+                    <a:p>
+                      <a:r>
+                        <a:rPr kumimoji="1" lang="en-US" altLang="ja-JP" dirty="0"/>
+                        <a:t>Field</a:t>
+                      </a:r>
+                      <a:endParaRPr kumimoji="1" lang="ja-JP" altLang="en-US" dirty="0"/>
+                    </a:p>
+                  </a:txBody>
+                  <a:tcPr/>
+                </a:tc>
+                <a:tc>
+                  <a:txBody>
+                    <a:bodyPr/>
+                    <a:lstStyle/>
+                    <a:p>
+                      <a:endParaRPr kumimoji="1" lang="ja-JP" altLang="en-US" dirty="0"/>
+                    </a:p>
+                  </a:txBody>
+                  <a:tcPr/>
+                </a:tc>
+                <a:extLst>
+                  <a:ext uri="{0D108BD9-81ED-4DB2-BD59-A6C34878D82A}">
+                    <a16:rowId xmlns:a16="http://schemas.microsoft.com/office/drawing/2014/main" val="3287931425"/>
+                  </a:ext>
+                </a:extLst>
+              </a:tr>
+              <a:tr h="370840">
+                <a:tc>
+                  <a:txBody>
+                    <a:bodyPr/>
+                    <a:lstStyle/>
+                    <a:p>
+                      <a:r>
+                        <a:rPr kumimoji="1" lang="en-US" altLang="ja-JP" dirty="0" err="1"/>
+                        <a:t>fsc</a:t>
+                      </a:r>
+                      <a:r>
+                        <a:rPr kumimoji="1" lang="en-US" altLang="ja-JP" dirty="0"/>
+                        <a:t> (First-stage-context)</a:t>
+                      </a:r>
+                      <a:endParaRPr kumimoji="1" lang="ja-JP" altLang="en-US" dirty="0"/>
+                    </a:p>
+                  </a:txBody>
+                  <a:tcPr/>
+                </a:tc>
+                <a:tc>
+                  <a:txBody>
+                    <a:bodyPr/>
+                    <a:lstStyle/>
+                    <a:p>
+                      <a:r>
+                        <a:rPr kumimoji="1" lang="en-US" altLang="ja-JP" dirty="0"/>
+                        <a:t>255:192</a:t>
+                      </a:r>
+                      <a:endParaRPr kumimoji="1" lang="ja-JP" altLang="en-US" dirty="0"/>
+                    </a:p>
+                  </a:txBody>
+                  <a:tcPr/>
+                </a:tc>
+                <a:tc>
+                  <a:txBody>
+                    <a:bodyPr/>
+                    <a:lstStyle/>
+                    <a:p>
+                      <a:r>
+                        <a:rPr kumimoji="1" lang="ja-JP" altLang="en-US" dirty="0"/>
+                        <a:t>第一段階のアドレス変換とプロテクションのコントロールを提供する</a:t>
+                      </a:r>
+                      <a:r>
+                        <a:rPr kumimoji="1" lang="en-US" altLang="ja-JP" dirty="0" err="1"/>
+                        <a:t>iosatp</a:t>
+                      </a:r>
+                      <a:r>
+                        <a:rPr kumimoji="1" lang="ja-JP" altLang="en-US" dirty="0"/>
+                        <a:t>を保持する。</a:t>
+                      </a:r>
+                      <a:endParaRPr kumimoji="1" lang="en-US" altLang="ja-JP" dirty="0"/>
+                    </a:p>
+                  </a:txBody>
+                  <a:tcPr/>
+                </a:tc>
+                <a:extLst>
+                  <a:ext uri="{0D108BD9-81ED-4DB2-BD59-A6C34878D82A}">
+                    <a16:rowId xmlns:a16="http://schemas.microsoft.com/office/drawing/2014/main" val="2051604026"/>
+                  </a:ext>
+                </a:extLst>
+              </a:tr>
+              <a:tr h="370840">
+                <a:tc>
+                  <a:txBody>
+                    <a:bodyPr/>
+                    <a:lstStyle/>
+                    <a:p>
+                      <a:r>
+                        <a:rPr kumimoji="1" lang="en-US" altLang="ja-JP" dirty="0"/>
+                        <a:t>ta (Translation-attributes)</a:t>
+                      </a:r>
+                      <a:endParaRPr kumimoji="1" lang="ja-JP" altLang="en-US" dirty="0"/>
+                    </a:p>
+                  </a:txBody>
+                  <a:tcPr/>
+                </a:tc>
+                <a:tc>
+                  <a:txBody>
+                    <a:bodyPr/>
+                    <a:lstStyle/>
+                    <a:p>
+                      <a:r>
+                        <a:rPr kumimoji="1" lang="en-US" altLang="ja-JP" dirty="0"/>
+                        <a:t>191:128</a:t>
+                      </a:r>
+                      <a:endParaRPr kumimoji="1" lang="ja-JP" altLang="en-US" dirty="0"/>
+                    </a:p>
+                  </a:txBody>
+                  <a:tcPr/>
+                </a:tc>
+                <a:tc>
+                  <a:txBody>
+                    <a:bodyPr/>
+                    <a:lstStyle/>
+                    <a:p>
+                      <a:r>
+                        <a:rPr kumimoji="1" lang="ja-JP" altLang="en-US" dirty="0"/>
+                        <a:t>プロセスのアドレス空間を識別するプロセス・ソフトコンテキスト </a:t>
+                      </a:r>
+                      <a:r>
+                        <a:rPr kumimoji="1" lang="en-US" altLang="ja-JP" dirty="0"/>
+                        <a:t>ID </a:t>
+                      </a:r>
+                      <a:r>
+                        <a:rPr kumimoji="1" lang="ja-JP" altLang="en-US" dirty="0"/>
+                        <a:t>を提供する。</a:t>
+                      </a:r>
+                    </a:p>
+                  </a:txBody>
+                  <a:tcPr/>
+                </a:tc>
+                <a:extLst>
+                  <a:ext uri="{0D108BD9-81ED-4DB2-BD59-A6C34878D82A}">
+                    <a16:rowId xmlns:a16="http://schemas.microsoft.com/office/drawing/2014/main" val="1060460250"/>
+                  </a:ext>
+                </a:extLst>
+              </a:tr>
+              <a:tr h="370840">
+                <a:tc>
+                  <a:txBody>
+                    <a:bodyPr/>
+                    <a:lstStyle/>
+                    <a:p>
+                      <a:r>
+                        <a:rPr kumimoji="1" lang="en-US" altLang="ja-JP" dirty="0" err="1"/>
+                        <a:t>iohgatp</a:t>
+                      </a:r>
+                      <a:r>
+                        <a:rPr kumimoji="1" lang="en-US" altLang="ja-JP" dirty="0"/>
+                        <a:t> (IO Hypervisor guest address translation and protection)</a:t>
+                      </a:r>
+                      <a:endParaRPr kumimoji="1" lang="ja-JP" altLang="en-US" dirty="0"/>
+                    </a:p>
+                  </a:txBody>
+                  <a:tcPr/>
+                </a:tc>
+                <a:tc>
+                  <a:txBody>
+                    <a:bodyPr/>
+                    <a:lstStyle/>
+                    <a:p>
+                      <a:r>
+                        <a:rPr kumimoji="1" lang="en-US" altLang="ja-JP" dirty="0"/>
+                        <a:t>127:64</a:t>
+                      </a:r>
+                      <a:endParaRPr kumimoji="1" lang="ja-JP" altLang="en-US" dirty="0"/>
+                    </a:p>
+                  </a:txBody>
+                  <a:tcPr/>
+                </a:tc>
+                <a:tc>
+                  <a:txBody>
+                    <a:bodyPr/>
+                    <a:lstStyle/>
+                    <a:p>
+                      <a:r>
+                        <a:rPr kumimoji="1" lang="ja-JP" altLang="en-US" dirty="0"/>
+                        <a:t>ルート・セカンドステージ・ページテーブルの </a:t>
+                      </a:r>
+                      <a:r>
+                        <a:rPr kumimoji="1" lang="en-US" altLang="ja-JP" dirty="0"/>
+                        <a:t>PPN </a:t>
+                      </a:r>
+                      <a:r>
+                        <a:rPr kumimoji="1" lang="ja-JP" altLang="en-US" dirty="0"/>
+                        <a:t>と、ゲスト・ソフトコンテキ</a:t>
+                      </a:r>
+                    </a:p>
+                    <a:p>
+                      <a:r>
+                        <a:rPr kumimoji="1" lang="ja-JP" altLang="en-US" dirty="0"/>
+                        <a:t>スト </a:t>
+                      </a:r>
+                      <a:r>
+                        <a:rPr kumimoji="1" lang="en-US" altLang="ja-JP" dirty="0"/>
+                        <a:t>ID (GSCID) </a:t>
+                      </a:r>
+                      <a:r>
+                        <a:rPr kumimoji="1" lang="ja-JP" altLang="en-US" dirty="0"/>
+                        <a:t>によって識別される仮想マシンを保持します。</a:t>
+                      </a:r>
+                    </a:p>
+                  </a:txBody>
+                  <a:tcPr/>
+                </a:tc>
+                <a:extLst>
+                  <a:ext uri="{0D108BD9-81ED-4DB2-BD59-A6C34878D82A}">
+                    <a16:rowId xmlns:a16="http://schemas.microsoft.com/office/drawing/2014/main" val="1690335371"/>
+                  </a:ext>
+                </a:extLst>
+              </a:tr>
+              <a:tr h="370840">
+                <a:tc>
+                  <a:txBody>
+                    <a:bodyPr/>
+                    <a:lstStyle/>
+                    <a:p>
+                      <a:r>
+                        <a:rPr kumimoji="1" lang="en-US" altLang="ja-JP" dirty="0" err="1"/>
+                        <a:t>tc</a:t>
+                      </a:r>
+                      <a:r>
+                        <a:rPr kumimoji="1" lang="en-US" altLang="ja-JP" dirty="0"/>
+                        <a:t> (Translation-control)</a:t>
+                      </a:r>
+                      <a:endParaRPr kumimoji="1" lang="ja-JP" altLang="en-US" dirty="0"/>
+                    </a:p>
+                  </a:txBody>
+                  <a:tcPr/>
+                </a:tc>
+                <a:tc>
+                  <a:txBody>
+                    <a:bodyPr/>
+                    <a:lstStyle/>
+                    <a:p>
+                      <a:r>
+                        <a:rPr kumimoji="1" lang="en-US" altLang="ja-JP" dirty="0"/>
+                        <a:t>63:0</a:t>
+                      </a:r>
+                      <a:endParaRPr kumimoji="1" lang="ja-JP" altLang="en-US" dirty="0"/>
+                    </a:p>
+                  </a:txBody>
+                  <a:tcPr/>
+                </a:tc>
+                <a:tc>
+                  <a:txBody>
+                    <a:bodyPr/>
+                    <a:lstStyle/>
+                    <a:p>
+                      <a:endParaRPr kumimoji="1" lang="ja-JP" altLang="en-US" dirty="0"/>
+                    </a:p>
+                  </a:txBody>
+                  <a:tcPr/>
+                </a:tc>
+                <a:extLst>
+                  <a:ext uri="{0D108BD9-81ED-4DB2-BD59-A6C34878D82A}">
+                    <a16:rowId xmlns:a16="http://schemas.microsoft.com/office/drawing/2014/main" val="1649151003"/>
+                  </a:ext>
+                </a:extLst>
+              </a:tr>
+              <a:tr h="370840">
+                <a:tc>
+                  <a:txBody>
+                    <a:bodyPr/>
+                    <a:lstStyle/>
+                    <a:p>
+                      <a:r>
+                        <a:rPr kumimoji="1" lang="en-US" altLang="ja-JP" dirty="0" err="1"/>
+                        <a:t>msiptp</a:t>
+                      </a:r>
+                      <a:r>
+                        <a:rPr kumimoji="1" lang="en-US" altLang="ja-JP" dirty="0"/>
+                        <a:t> (MSI page table pointer)</a:t>
+                      </a:r>
+                      <a:endParaRPr kumimoji="1" lang="ja-JP" altLang="en-US" dirty="0"/>
+                    </a:p>
+                  </a:txBody>
+                  <a:tcPr/>
+                </a:tc>
+                <a:tc>
+                  <a:txBody>
+                    <a:bodyPr/>
+                    <a:lstStyle/>
+                    <a:p>
+                      <a:endParaRPr kumimoji="1" lang="ja-JP" altLang="en-US"/>
+                    </a:p>
+                  </a:txBody>
+                  <a:tcPr/>
+                </a:tc>
+                <a:tc>
+                  <a:txBody>
+                    <a:bodyPr/>
+                    <a:lstStyle/>
+                    <a:p>
+                      <a:endParaRPr kumimoji="1" lang="ja-JP" altLang="en-US"/>
+                    </a:p>
+                  </a:txBody>
+                  <a:tcPr/>
+                </a:tc>
+                <a:extLst>
+                  <a:ext uri="{0D108BD9-81ED-4DB2-BD59-A6C34878D82A}">
+                    <a16:rowId xmlns:a16="http://schemas.microsoft.com/office/drawing/2014/main" val="2608879860"/>
+                  </a:ext>
+                </a:extLst>
+              </a:tr>
+              <a:tr h="370840">
+                <a:tc>
+                  <a:txBody>
+                    <a:bodyPr/>
+                    <a:lstStyle/>
+                    <a:p>
+                      <a:r>
+                        <a:rPr kumimoji="1" lang="en-US" altLang="ja-JP" dirty="0" err="1"/>
+                        <a:t>msi_addr_mask</a:t>
+                      </a:r>
+                      <a:r>
+                        <a:rPr kumimoji="1" lang="en-US" altLang="ja-JP" dirty="0"/>
+                        <a:t> (MSI address mask)</a:t>
+                      </a:r>
+                      <a:endParaRPr kumimoji="1" lang="ja-JP" altLang="en-US" dirty="0"/>
+                    </a:p>
+                  </a:txBody>
+                  <a:tcPr/>
+                </a:tc>
+                <a:tc>
+                  <a:txBody>
+                    <a:bodyPr/>
+                    <a:lstStyle/>
+                    <a:p>
+                      <a:endParaRPr kumimoji="1" lang="ja-JP" altLang="en-US"/>
+                    </a:p>
+                  </a:txBody>
+                  <a:tcPr/>
+                </a:tc>
+                <a:tc>
+                  <a:txBody>
+                    <a:bodyPr/>
+                    <a:lstStyle/>
+                    <a:p>
+                      <a:endParaRPr kumimoji="1" lang="ja-JP" altLang="en-US" dirty="0"/>
+                    </a:p>
+                  </a:txBody>
+                  <a:tcPr/>
+                </a:tc>
+                <a:extLst>
+                  <a:ext uri="{0D108BD9-81ED-4DB2-BD59-A6C34878D82A}">
+                    <a16:rowId xmlns:a16="http://schemas.microsoft.com/office/drawing/2014/main" val="3941076596"/>
+                  </a:ext>
+                </a:extLst>
+              </a:tr>
+              <a:tr h="370840">
+                <a:tc>
+                  <a:txBody>
+                    <a:bodyPr/>
+                    <a:lstStyle/>
+                    <a:p>
+                      <a:r>
+                        <a:rPr kumimoji="1" lang="en-US" altLang="ja-JP" dirty="0" err="1"/>
+                        <a:t>msi_addr_pattern</a:t>
+                      </a:r>
+                      <a:r>
+                        <a:rPr kumimoji="1" lang="en-US" altLang="ja-JP" dirty="0"/>
+                        <a:t> (MSI address pattern)</a:t>
+                      </a:r>
+                      <a:endParaRPr kumimoji="1" lang="ja-JP" altLang="en-US" dirty="0"/>
+                    </a:p>
+                  </a:txBody>
+                  <a:tcPr/>
+                </a:tc>
+                <a:tc>
+                  <a:txBody>
+                    <a:bodyPr/>
+                    <a:lstStyle/>
+                    <a:p>
+                      <a:endParaRPr kumimoji="1" lang="ja-JP" altLang="en-US" dirty="0"/>
+                    </a:p>
+                  </a:txBody>
+                  <a:tcPr/>
+                </a:tc>
+                <a:tc>
+                  <a:txBody>
+                    <a:bodyPr/>
+                    <a:lstStyle/>
+                    <a:p>
+                      <a:endParaRPr kumimoji="1" lang="ja-JP" altLang="en-US" dirty="0"/>
+                    </a:p>
+                  </a:txBody>
+                  <a:tcPr/>
+                </a:tc>
+                <a:extLst>
+                  <a:ext uri="{0D108BD9-81ED-4DB2-BD59-A6C34878D82A}">
+                    <a16:rowId xmlns:a16="http://schemas.microsoft.com/office/drawing/2014/main" val="3213790903"/>
+                  </a:ext>
+                </a:extLst>
+              </a:tr>
+            </a:tbl>
+          </a:graphicData>
+        </a:graphic>
+      </p:graphicFrame>
+    </p:spTree>
+    <p:extLst>
+      <p:ext uri="{BB962C8B-B14F-4D97-AF65-F5344CB8AC3E}">
+        <p14:creationId xmlns:p14="http://schemas.microsoft.com/office/powerpoint/2010/main" val="265365547"/>
+      </p:ext>
+    </p:extLst>
+  </p:cSld>
+  <p:clrMapOvr>
+    <a:masterClrMapping/>
+  </p:clrMapOvr>
+</p:sld>
+</file>
+
+<file path=ppt/slides/slide19.xml><?xml version="1.0" encoding="utf-8"?>
+<p:sld xmlns:a="http://schemas.openxmlformats.org/drawingml/2006/main" xmlns:r="http://schemas.openxmlformats.org/officeDocument/2006/relationships" xmlns:p="http://schemas.openxmlformats.org/presentationml/2006/main">
+  <p:cSld>
+    <p:spTree>
+      <p:nvGrpSpPr>
+        <p:cNvPr id="1" name=""/>
+        <p:cNvGrpSpPr/>
+        <p:nvPr/>
+      </p:nvGrpSpPr>
+      <p:grpSpPr>
+        <a:xfrm>
+          <a:off x="0" y="0"/>
+          <a:ext cx="0" cy="0"/>
+          <a:chOff x="0" y="0"/>
+          <a:chExt cx="0" cy="0"/>
+        </a:xfrm>
+      </p:grpSpPr>
+      <p:sp>
+        <p:nvSpPr>
+          <p:cNvPr id="2" name="タイトル 1">
+            <a:extLst>
+              <a:ext uri="{FF2B5EF4-FFF2-40B4-BE49-F238E27FC236}">
+                <a16:creationId xmlns:a16="http://schemas.microsoft.com/office/drawing/2014/main" id="{2698C0AB-DD34-7340-B65C-2D0A5CA851CA}"/>
+              </a:ext>
+            </a:extLst>
+          </p:cNvPr>
+          <p:cNvSpPr>
+            <a:spLocks noGrp="1"/>
+          </p:cNvSpPr>
+          <p:nvPr>
+            <p:ph type="title"/>
+          </p:nvPr>
+        </p:nvSpPr>
+        <p:spPr/>
+        <p:txBody>
+          <a:bodyPr/>
+          <a:lstStyle/>
+          <a:p>
+            <a:r>
+              <a:rPr kumimoji="1" lang="en-US" altLang="ja-JP" dirty="0"/>
+              <a:t>Leaf PDT entry</a:t>
             </a:r>
             <a:endParaRPr kumimoji="1" lang="ja-JP" altLang="en-US" dirty="0"/>
           </a:p>
@@ -7238,7 +7847,7 @@
           <p:cNvPr id="3" name="コンテンツ プレースホルダー 2">
             <a:extLst>
               <a:ext uri="{FF2B5EF4-FFF2-40B4-BE49-F238E27FC236}">
-                <a16:creationId xmlns:a16="http://schemas.microsoft.com/office/drawing/2014/main" id="{B1696C28-650B-9BA7-B3E7-1F45A0020857}"/>
+                <a16:creationId xmlns:a16="http://schemas.microsoft.com/office/drawing/2014/main" id="{C4BF59B2-0C40-882C-BABB-CA8E6895B3B5}"/>
               </a:ext>
             </a:extLst>
           </p:cNvPr>
@@ -7249,294 +7858,400 @@
             <p:ph idx="1"/>
           </p:nvPr>
         </p:nvSpPr>
-        <p:spPr>
-          <a:xfrm>
-            <a:off x="457200" y="1825624"/>
-            <a:ext cx="11277600" cy="4879976"/>
-          </a:xfrm>
-        </p:spPr>
-        <p:txBody>
-          <a:bodyPr>
-            <a:normAutofit fontScale="85000" lnSpcReduction="10000"/>
-          </a:bodyPr>
-          <a:lstStyle/>
-          <a:p>
-            <a:r>
-              <a:rPr kumimoji="1" lang="ja-JP" altLang="en-US" dirty="0"/>
-              <a:t>デバイスコンテキスト </a:t>
-            </a:r>
-            <a:r>
-              <a:rPr kumimoji="1" lang="en-US" altLang="ja-JP" dirty="0"/>
-              <a:t>(DC) </a:t>
-            </a:r>
-            <a:r>
-              <a:rPr kumimoji="1" lang="ja-JP" altLang="en-US" dirty="0"/>
-              <a:t>の設定が誤っているとされる例</a:t>
-            </a:r>
-            <a:endParaRPr kumimoji="1" lang="en-US" altLang="ja-JP" dirty="0"/>
-          </a:p>
-          <a:p>
-            <a:pPr lvl="1"/>
-            <a:r>
-              <a:rPr kumimoji="1" lang="ja-JP" altLang="en-US" dirty="0"/>
-              <a:t>これらの条件が該当する場合、</a:t>
-            </a:r>
-            <a:r>
-              <a:rPr kumimoji="1" lang="en-US" altLang="ja-JP" dirty="0"/>
-              <a:t>DDT</a:t>
-            </a:r>
-            <a:r>
-              <a:rPr kumimoji="1" lang="ja-JP" altLang="en-US" dirty="0"/>
-              <a:t>エントリ誤構成」エラー（</a:t>
-            </a:r>
-            <a:r>
-              <a:rPr kumimoji="1" lang="en-US" altLang="ja-JP" dirty="0"/>
-              <a:t>cause=259</a:t>
-            </a:r>
-            <a:r>
-              <a:rPr kumimoji="1" lang="ja-JP" altLang="en-US" dirty="0"/>
-              <a:t>）</a:t>
-            </a:r>
-            <a:endParaRPr kumimoji="1" lang="en-US" altLang="ja-JP" dirty="0"/>
-          </a:p>
-          <a:p>
-            <a:r>
-              <a:rPr kumimoji="1" lang="ja-JP" altLang="en-US" dirty="0"/>
-              <a:t>予約済みビットやエンコーディングの使用：</a:t>
-            </a:r>
-            <a:endParaRPr kumimoji="1" lang="en-US" altLang="ja-JP" dirty="0"/>
-          </a:p>
-          <a:p>
-            <a:pPr lvl="1"/>
-            <a:r>
-              <a:rPr kumimoji="1" lang="en-US" altLang="ja-JP" dirty="0"/>
-              <a:t>DC</a:t>
-            </a:r>
-            <a:r>
-              <a:rPr kumimoji="1" lang="ja-JP" altLang="en-US" dirty="0"/>
-              <a:t>内で予約されているビットが設定されている、または使用されてい</a:t>
-            </a:r>
-            <a:r>
-              <a:rPr lang="ja-JP" altLang="en-US" dirty="0"/>
-              <a:t>る場合</a:t>
-            </a:r>
-            <a:endParaRPr lang="en-US" altLang="ja-JP" dirty="0"/>
-          </a:p>
-          <a:p>
-            <a:r>
-              <a:rPr kumimoji="1" lang="en-US" altLang="ja-JP" dirty="0" err="1">
-                <a:latin typeface="Consolas" panose="020B0609020204030204" pitchFamily="49" charset="0"/>
-              </a:rPr>
-              <a:t>capabilities.ATS</a:t>
-            </a:r>
-            <a:r>
-              <a:rPr kumimoji="1" lang="ja-JP" altLang="en-US" dirty="0"/>
-              <a:t>と他のフィールドの不整合：</a:t>
-            </a:r>
-            <a:endParaRPr kumimoji="1" lang="en-US" altLang="ja-JP" dirty="0"/>
-          </a:p>
-          <a:p>
-            <a:pPr lvl="1"/>
-            <a:r>
-              <a:rPr kumimoji="1" lang="en-US" altLang="ja-JP" dirty="0" err="1"/>
-              <a:t>DC.tc.EN_ATS</a:t>
-            </a:r>
-            <a:r>
-              <a:rPr kumimoji="1" lang="ja-JP" altLang="en-US" dirty="0"/>
-              <a:t>、</a:t>
-            </a:r>
-            <a:r>
-              <a:rPr kumimoji="1" lang="en-US" altLang="ja-JP" dirty="0" err="1"/>
-              <a:t>DC.tc.EN_PRI</a:t>
-            </a:r>
-            <a:r>
-              <a:rPr kumimoji="1" lang="ja-JP" altLang="en-US" dirty="0"/>
-              <a:t>、</a:t>
-            </a:r>
-            <a:r>
-              <a:rPr kumimoji="1" lang="en-US" altLang="ja-JP" dirty="0" err="1"/>
-              <a:t>DC.tc.PRPR</a:t>
-            </a:r>
-            <a:r>
-              <a:rPr kumimoji="1" lang="en-US" altLang="ja-JP" dirty="0"/>
-              <a:t> </a:t>
-            </a:r>
-            <a:r>
-              <a:rPr kumimoji="1" lang="ja-JP" altLang="en-US" dirty="0"/>
-              <a:t>などのフィールドが </a:t>
-            </a:r>
-            <a:r>
-              <a:rPr kumimoji="1" lang="en-US" altLang="ja-JP" dirty="0" err="1"/>
-              <a:t>capabilities.ATS</a:t>
-            </a:r>
-            <a:r>
-              <a:rPr kumimoji="1" lang="en-US" altLang="ja-JP" dirty="0"/>
-              <a:t> </a:t>
-            </a:r>
-            <a:r>
-              <a:rPr kumimoji="1" lang="ja-JP" altLang="en-US" dirty="0"/>
-              <a:t>の状態と一致していない場合</a:t>
-            </a:r>
-            <a:endParaRPr kumimoji="1" lang="en-US" altLang="ja-JP" dirty="0"/>
-          </a:p>
-          <a:p>
-            <a:r>
-              <a:rPr kumimoji="1" lang="en-US" altLang="ja-JP" dirty="0">
-                <a:latin typeface="Consolas" panose="020B0609020204030204" pitchFamily="49" charset="0"/>
-              </a:rPr>
-              <a:t>DC.tc.T2GPA</a:t>
-            </a:r>
-            <a:r>
-              <a:rPr kumimoji="1" lang="ja-JP" altLang="en-US" dirty="0"/>
-              <a:t>と</a:t>
-            </a:r>
-            <a:r>
-              <a:rPr kumimoji="1" lang="en-US" altLang="ja-JP" dirty="0" err="1">
-                <a:latin typeface="Consolas" panose="020B0609020204030204" pitchFamily="49" charset="0"/>
-              </a:rPr>
-              <a:t>DC.tc.EN_ATS</a:t>
-            </a:r>
-            <a:r>
-              <a:rPr kumimoji="1" lang="ja-JP" altLang="en-US" dirty="0"/>
-              <a:t>の不適合：</a:t>
-            </a:r>
-            <a:endParaRPr kumimoji="1" lang="en-US" altLang="ja-JP" dirty="0"/>
-          </a:p>
-          <a:p>
-            <a:pPr lvl="1"/>
-            <a:r>
-              <a:rPr kumimoji="1" lang="en-US" altLang="ja-JP" dirty="0">
-                <a:latin typeface="Consolas" panose="020B0609020204030204" pitchFamily="49" charset="0"/>
-              </a:rPr>
-              <a:t>DC.tc.T2GPA</a:t>
-            </a:r>
-            <a:r>
-              <a:rPr kumimoji="1" lang="ja-JP" altLang="en-US" dirty="0"/>
-              <a:t>フィールドが設定されている場合に、それが </a:t>
-            </a:r>
-            <a:r>
-              <a:rPr kumimoji="1" lang="en-US" altLang="ja-JP" dirty="0" err="1">
-                <a:latin typeface="Consolas" panose="020B0609020204030204" pitchFamily="49" charset="0"/>
-              </a:rPr>
-              <a:t>DC.tc.EN_ATS</a:t>
-            </a:r>
-            <a:r>
-              <a:rPr kumimoji="1" lang="en-US" altLang="ja-JP" dirty="0"/>
-              <a:t> </a:t>
-            </a:r>
-            <a:r>
-              <a:rPr kumimoji="1" lang="ja-JP" altLang="en-US" dirty="0"/>
-              <a:t>と適合しない場合。</a:t>
-            </a:r>
-            <a:endParaRPr kumimoji="1" lang="en-US" altLang="ja-JP" dirty="0"/>
-          </a:p>
-          <a:p>
-            <a:r>
-              <a:rPr kumimoji="1" lang="en-US" altLang="ja-JP" dirty="0"/>
-              <a:t>PDTP</a:t>
-            </a:r>
-            <a:r>
-              <a:rPr kumimoji="1" lang="ja-JP" altLang="en-US" dirty="0"/>
-              <a:t>モード や </a:t>
-            </a:r>
-            <a:r>
-              <a:rPr kumimoji="1" lang="en-US" altLang="ja-JP" dirty="0">
-                <a:latin typeface="Consolas" panose="020B0609020204030204" pitchFamily="49" charset="0"/>
-              </a:rPr>
-              <a:t>IOSATP.MODE</a:t>
-            </a:r>
-            <a:r>
-              <a:rPr kumimoji="1" lang="ja-JP" altLang="en-US" dirty="0"/>
-              <a:t>のサポート不一致：</a:t>
-            </a:r>
-            <a:endParaRPr kumimoji="1" lang="en-US" altLang="ja-JP" dirty="0"/>
-          </a:p>
-          <a:p>
-            <a:pPr lvl="1"/>
-            <a:r>
-              <a:rPr kumimoji="1" lang="ja-JP" altLang="en-US" dirty="0"/>
-              <a:t>特定のフラグが設定されている場合に、</a:t>
-            </a:r>
-            <a:r>
-              <a:rPr kumimoji="1" lang="en-US" altLang="ja-JP" dirty="0"/>
-              <a:t>PDTP</a:t>
-            </a:r>
-            <a:r>
-              <a:rPr kumimoji="1" lang="ja-JP" altLang="en-US" dirty="0"/>
-              <a:t>モードや</a:t>
-            </a:r>
-            <a:r>
-              <a:rPr kumimoji="1" lang="en-US" altLang="ja-JP" dirty="0">
-                <a:latin typeface="Consolas" panose="020B0609020204030204" pitchFamily="49" charset="0"/>
-              </a:rPr>
-              <a:t>IOSATP.MODE</a:t>
-            </a:r>
-            <a:r>
-              <a:rPr kumimoji="1" lang="ja-JP" altLang="en-US" dirty="0"/>
-              <a:t>がサポートされていない場合。</a:t>
-            </a:r>
-            <a:endParaRPr kumimoji="1" lang="en-US" altLang="ja-JP" dirty="0"/>
-          </a:p>
-          <a:p>
-            <a:r>
-              <a:rPr kumimoji="1" lang="en-US" altLang="ja-JP" dirty="0"/>
-              <a:t>ATS</a:t>
-            </a:r>
-            <a:r>
-              <a:rPr kumimoji="1" lang="ja-JP" altLang="en-US" dirty="0"/>
-              <a:t>、</a:t>
-            </a:r>
-            <a:r>
-              <a:rPr kumimoji="1" lang="en-US" altLang="ja-JP" dirty="0"/>
-              <a:t>PRI</a:t>
-            </a:r>
-            <a:r>
-              <a:rPr kumimoji="1" lang="ja-JP" altLang="en-US" dirty="0"/>
-              <a:t>、</a:t>
-            </a:r>
-            <a:r>
-              <a:rPr kumimoji="1" lang="en-US" altLang="ja-JP" dirty="0"/>
-              <a:t>T2GPA</a:t>
-            </a:r>
-            <a:r>
-              <a:rPr kumimoji="1" lang="ja-JP" altLang="en-US" dirty="0"/>
-              <a:t>機能に関連する他の不整合：</a:t>
-            </a:r>
-            <a:endParaRPr kumimoji="1" lang="en-US" altLang="ja-JP" dirty="0"/>
-          </a:p>
-          <a:p>
-            <a:pPr lvl="1"/>
-            <a:r>
-              <a:rPr kumimoji="1" lang="en-US" altLang="ja-JP" dirty="0"/>
-              <a:t>ATS</a:t>
-            </a:r>
-            <a:r>
-              <a:rPr kumimoji="1" lang="ja-JP" altLang="en-US" dirty="0"/>
-              <a:t>、</a:t>
-            </a:r>
-            <a:r>
-              <a:rPr kumimoji="1" lang="en-US" altLang="ja-JP" dirty="0"/>
-              <a:t>PRI</a:t>
-            </a:r>
-            <a:r>
-              <a:rPr kumimoji="1" lang="ja-JP" altLang="en-US" dirty="0"/>
-              <a:t>、または</a:t>
-            </a:r>
-            <a:r>
-              <a:rPr kumimoji="1" lang="en-US" altLang="ja-JP" dirty="0"/>
-              <a:t>T2GPA</a:t>
-            </a:r>
-            <a:r>
-              <a:rPr kumimoji="1" lang="ja-JP" altLang="en-US" dirty="0"/>
-              <a:t>の機能が有効化されている際に、それらの設定が正しく行われていない場合。</a:t>
-            </a:r>
-          </a:p>
-        </p:txBody>
-      </p:sp>
+        <p:spPr/>
+        <p:txBody>
+          <a:bodyPr/>
+          <a:lstStyle/>
+          <a:p>
+            <a:endParaRPr kumimoji="1" lang="ja-JP" altLang="en-US"/>
+          </a:p>
+        </p:txBody>
+      </p:sp>
+      <p:graphicFrame>
+        <p:nvGraphicFramePr>
+          <p:cNvPr id="4" name="コンテンツ プレースホルダー 3">
+            <a:extLst>
+              <a:ext uri="{FF2B5EF4-FFF2-40B4-BE49-F238E27FC236}">
+                <a16:creationId xmlns:a16="http://schemas.microsoft.com/office/drawing/2014/main" id="{3D634456-60E5-A10F-9FC5-E175CB1379FA}"/>
+              </a:ext>
+            </a:extLst>
+          </p:cNvPr>
+          <p:cNvGraphicFramePr>
+            <a:graphicFrameLocks/>
+          </p:cNvGraphicFramePr>
+          <p:nvPr>
+            <p:extLst>
+              <p:ext uri="{D42A27DB-BD31-4B8C-83A1-F6EECF244321}">
+                <p14:modId xmlns:p14="http://schemas.microsoft.com/office/powerpoint/2010/main" val="1852165328"/>
+              </p:ext>
+            </p:extLst>
+          </p:nvPr>
+        </p:nvGraphicFramePr>
+        <p:xfrm>
+          <a:off x="533400" y="1524000"/>
+          <a:ext cx="11125200" cy="2961640"/>
+        </p:xfrm>
+        <a:graphic>
+          <a:graphicData uri="http://schemas.openxmlformats.org/drawingml/2006/table">
+            <a:tbl>
+              <a:tblPr firstRow="1" bandRow="1">
+                <a:tableStyleId>{5C22544A-7EE6-4342-B048-85BDC9FD1C3A}</a:tableStyleId>
+              </a:tblPr>
+              <a:tblGrid>
+                <a:gridCol w="2819400">
+                  <a:extLst>
+                    <a:ext uri="{9D8B030D-6E8A-4147-A177-3AD203B41FA5}">
+                      <a16:colId xmlns:a16="http://schemas.microsoft.com/office/drawing/2014/main" val="2583835759"/>
+                    </a:ext>
+                  </a:extLst>
+                </a:gridCol>
+                <a:gridCol w="1027430">
+                  <a:extLst>
+                    <a:ext uri="{9D8B030D-6E8A-4147-A177-3AD203B41FA5}">
+                      <a16:colId xmlns:a16="http://schemas.microsoft.com/office/drawing/2014/main" val="4251334946"/>
+                    </a:ext>
+                  </a:extLst>
+                </a:gridCol>
+                <a:gridCol w="7278370">
+                  <a:extLst>
+                    <a:ext uri="{9D8B030D-6E8A-4147-A177-3AD203B41FA5}">
+                      <a16:colId xmlns:a16="http://schemas.microsoft.com/office/drawing/2014/main" val="1527324766"/>
+                    </a:ext>
+                  </a:extLst>
+                </a:gridCol>
+              </a:tblGrid>
+              <a:tr h="370840">
+                <a:tc>
+                  <a:txBody>
+                    <a:bodyPr/>
+                    <a:lstStyle/>
+                    <a:p>
+                      <a:r>
+                        <a:rPr kumimoji="1" lang="en-US" altLang="ja-JP" dirty="0"/>
+                        <a:t>Name</a:t>
+                      </a:r>
+                      <a:endParaRPr kumimoji="1" lang="ja-JP" altLang="en-US" dirty="0"/>
+                    </a:p>
+                  </a:txBody>
+                  <a:tcPr/>
+                </a:tc>
+                <a:tc>
+                  <a:txBody>
+                    <a:bodyPr/>
+                    <a:lstStyle/>
+                    <a:p>
+                      <a:r>
+                        <a:rPr kumimoji="1" lang="en-US" altLang="ja-JP" dirty="0"/>
+                        <a:t>Field</a:t>
+                      </a:r>
+                      <a:endParaRPr kumimoji="1" lang="ja-JP" altLang="en-US" dirty="0"/>
+                    </a:p>
+                  </a:txBody>
+                  <a:tcPr/>
+                </a:tc>
+                <a:tc>
+                  <a:txBody>
+                    <a:bodyPr/>
+                    <a:lstStyle/>
+                    <a:p>
+                      <a:endParaRPr kumimoji="1" lang="ja-JP" altLang="en-US" dirty="0"/>
+                    </a:p>
+                  </a:txBody>
+                  <a:tcPr/>
+                </a:tc>
+                <a:extLst>
+                  <a:ext uri="{0D108BD9-81ED-4DB2-BD59-A6C34878D82A}">
+                    <a16:rowId xmlns:a16="http://schemas.microsoft.com/office/drawing/2014/main" val="3287931425"/>
+                  </a:ext>
+                </a:extLst>
+              </a:tr>
+              <a:tr h="370840">
+                <a:tc>
+                  <a:txBody>
+                    <a:bodyPr/>
+                    <a:lstStyle/>
+                    <a:p>
+                      <a:r>
+                        <a:rPr kumimoji="1" lang="en-US" altLang="ja-JP" dirty="0" err="1"/>
+                        <a:t>fsc</a:t>
+                      </a:r>
+                      <a:r>
+                        <a:rPr kumimoji="1" lang="en-US" altLang="ja-JP" dirty="0"/>
+                        <a:t> (First-stage-context)</a:t>
+                      </a:r>
+                      <a:endParaRPr kumimoji="1" lang="ja-JP" altLang="en-US" dirty="0"/>
+                    </a:p>
+                  </a:txBody>
+                  <a:tcPr/>
+                </a:tc>
+                <a:tc>
+                  <a:txBody>
+                    <a:bodyPr/>
+                    <a:lstStyle/>
+                    <a:p>
+                      <a:r>
+                        <a:rPr kumimoji="1" lang="en-US" altLang="ja-JP" dirty="0"/>
+                        <a:t>127:64</a:t>
+                      </a:r>
+                      <a:endParaRPr kumimoji="1" lang="ja-JP" altLang="en-US" dirty="0"/>
+                    </a:p>
+                  </a:txBody>
+                  <a:tcPr/>
+                </a:tc>
+                <a:tc>
+                  <a:txBody>
+                    <a:bodyPr/>
+                    <a:lstStyle/>
+                    <a:p>
+                      <a:endParaRPr kumimoji="1" lang="ja-JP" altLang="en-US" dirty="0"/>
+                    </a:p>
+                  </a:txBody>
+                  <a:tcPr/>
+                </a:tc>
+                <a:extLst>
+                  <a:ext uri="{0D108BD9-81ED-4DB2-BD59-A6C34878D82A}">
+                    <a16:rowId xmlns:a16="http://schemas.microsoft.com/office/drawing/2014/main" val="2051604026"/>
+                  </a:ext>
+                </a:extLst>
+              </a:tr>
+              <a:tr h="370840">
+                <a:tc>
+                  <a:txBody>
+                    <a:bodyPr/>
+                    <a:lstStyle/>
+                    <a:p>
+                      <a:r>
+                        <a:rPr kumimoji="1" lang="en-US" altLang="ja-JP" dirty="0"/>
+                        <a:t>ta (Translation-attributes)</a:t>
+                      </a:r>
+                      <a:endParaRPr kumimoji="1" lang="ja-JP" altLang="en-US" dirty="0"/>
+                    </a:p>
+                  </a:txBody>
+                  <a:tcPr/>
+                </a:tc>
+                <a:tc>
+                  <a:txBody>
+                    <a:bodyPr/>
+                    <a:lstStyle/>
+                    <a:p>
+                      <a:r>
+                        <a:rPr kumimoji="1" lang="en-US" altLang="ja-JP" dirty="0"/>
+                        <a:t>63:0</a:t>
+                      </a:r>
+                      <a:endParaRPr kumimoji="1" lang="ja-JP" altLang="en-US" dirty="0"/>
+                    </a:p>
+                  </a:txBody>
+                  <a:tcPr/>
+                </a:tc>
+                <a:tc>
+                  <a:txBody>
+                    <a:bodyPr/>
+                    <a:lstStyle/>
+                    <a:p>
+                      <a:endParaRPr kumimoji="1" lang="ja-JP" altLang="en-US" dirty="0"/>
+                    </a:p>
+                  </a:txBody>
+                  <a:tcPr/>
+                </a:tc>
+                <a:extLst>
+                  <a:ext uri="{0D108BD9-81ED-4DB2-BD59-A6C34878D82A}">
+                    <a16:rowId xmlns:a16="http://schemas.microsoft.com/office/drawing/2014/main" val="1060460250"/>
+                  </a:ext>
+                </a:extLst>
+              </a:tr>
+              <a:tr h="370840">
+                <a:tc>
+                  <a:txBody>
+                    <a:bodyPr/>
+                    <a:lstStyle/>
+                    <a:p>
+                      <a:endParaRPr kumimoji="1" lang="ja-JP" altLang="en-US" dirty="0"/>
+                    </a:p>
+                  </a:txBody>
+                  <a:tcPr/>
+                </a:tc>
+                <a:tc>
+                  <a:txBody>
+                    <a:bodyPr/>
+                    <a:lstStyle/>
+                    <a:p>
+                      <a:endParaRPr kumimoji="1" lang="ja-JP" altLang="en-US" dirty="0"/>
+                    </a:p>
+                  </a:txBody>
+                  <a:tcPr/>
+                </a:tc>
+                <a:tc>
+                  <a:txBody>
+                    <a:bodyPr/>
+                    <a:lstStyle/>
+                    <a:p>
+                      <a:endParaRPr kumimoji="1" lang="ja-JP" altLang="en-US" dirty="0"/>
+                    </a:p>
+                  </a:txBody>
+                  <a:tcPr/>
+                </a:tc>
+                <a:extLst>
+                  <a:ext uri="{0D108BD9-81ED-4DB2-BD59-A6C34878D82A}">
+                    <a16:rowId xmlns:a16="http://schemas.microsoft.com/office/drawing/2014/main" val="1690335371"/>
+                  </a:ext>
+                </a:extLst>
+              </a:tr>
+              <a:tr h="370840">
+                <a:tc>
+                  <a:txBody>
+                    <a:bodyPr/>
+                    <a:lstStyle/>
+                    <a:p>
+                      <a:endParaRPr kumimoji="1" lang="ja-JP" altLang="en-US" dirty="0"/>
+                    </a:p>
+                  </a:txBody>
+                  <a:tcPr/>
+                </a:tc>
+                <a:tc>
+                  <a:txBody>
+                    <a:bodyPr/>
+                    <a:lstStyle/>
+                    <a:p>
+                      <a:endParaRPr kumimoji="1" lang="ja-JP" altLang="en-US" dirty="0"/>
+                    </a:p>
+                  </a:txBody>
+                  <a:tcPr/>
+                </a:tc>
+                <a:tc>
+                  <a:txBody>
+                    <a:bodyPr/>
+                    <a:lstStyle/>
+                    <a:p>
+                      <a:endParaRPr kumimoji="1" lang="ja-JP" altLang="en-US" dirty="0"/>
+                    </a:p>
+                  </a:txBody>
+                  <a:tcPr/>
+                </a:tc>
+                <a:extLst>
+                  <a:ext uri="{0D108BD9-81ED-4DB2-BD59-A6C34878D82A}">
+                    <a16:rowId xmlns:a16="http://schemas.microsoft.com/office/drawing/2014/main" val="1649151003"/>
+                  </a:ext>
+                </a:extLst>
+              </a:tr>
+              <a:tr h="370840">
+                <a:tc>
+                  <a:txBody>
+                    <a:bodyPr/>
+                    <a:lstStyle/>
+                    <a:p>
+                      <a:endParaRPr kumimoji="1" lang="ja-JP" altLang="en-US" dirty="0"/>
+                    </a:p>
+                  </a:txBody>
+                  <a:tcPr/>
+                </a:tc>
+                <a:tc>
+                  <a:txBody>
+                    <a:bodyPr/>
+                    <a:lstStyle/>
+                    <a:p>
+                      <a:endParaRPr kumimoji="1" lang="ja-JP" altLang="en-US"/>
+                    </a:p>
+                  </a:txBody>
+                  <a:tcPr/>
+                </a:tc>
+                <a:tc>
+                  <a:txBody>
+                    <a:bodyPr/>
+                    <a:lstStyle/>
+                    <a:p>
+                      <a:endParaRPr kumimoji="1" lang="ja-JP" altLang="en-US"/>
+                    </a:p>
+                  </a:txBody>
+                  <a:tcPr/>
+                </a:tc>
+                <a:extLst>
+                  <a:ext uri="{0D108BD9-81ED-4DB2-BD59-A6C34878D82A}">
+                    <a16:rowId xmlns:a16="http://schemas.microsoft.com/office/drawing/2014/main" val="2608879860"/>
+                  </a:ext>
+                </a:extLst>
+              </a:tr>
+              <a:tr h="370840">
+                <a:tc>
+                  <a:txBody>
+                    <a:bodyPr/>
+                    <a:lstStyle/>
+                    <a:p>
+                      <a:endParaRPr kumimoji="1" lang="ja-JP" altLang="en-US" dirty="0"/>
+                    </a:p>
+                  </a:txBody>
+                  <a:tcPr/>
+                </a:tc>
+                <a:tc>
+                  <a:txBody>
+                    <a:bodyPr/>
+                    <a:lstStyle/>
+                    <a:p>
+                      <a:endParaRPr kumimoji="1" lang="ja-JP" altLang="en-US"/>
+                    </a:p>
+                  </a:txBody>
+                  <a:tcPr/>
+                </a:tc>
+                <a:tc>
+                  <a:txBody>
+                    <a:bodyPr/>
+                    <a:lstStyle/>
+                    <a:p>
+                      <a:endParaRPr kumimoji="1" lang="ja-JP" altLang="en-US" dirty="0"/>
+                    </a:p>
+                  </a:txBody>
+                  <a:tcPr/>
+                </a:tc>
+                <a:extLst>
+                  <a:ext uri="{0D108BD9-81ED-4DB2-BD59-A6C34878D82A}">
+                    <a16:rowId xmlns:a16="http://schemas.microsoft.com/office/drawing/2014/main" val="3941076596"/>
+                  </a:ext>
+                </a:extLst>
+              </a:tr>
+              <a:tr h="0">
+                <a:tc>
+                  <a:txBody>
+                    <a:bodyPr/>
+                    <a:lstStyle/>
+                    <a:p>
+                      <a:endParaRPr kumimoji="1" lang="ja-JP" altLang="en-US" dirty="0"/>
+                    </a:p>
+                  </a:txBody>
+                  <a:tcPr/>
+                </a:tc>
+                <a:tc>
+                  <a:txBody>
+                    <a:bodyPr/>
+                    <a:lstStyle/>
+                    <a:p>
+                      <a:endParaRPr kumimoji="1" lang="ja-JP" altLang="en-US" dirty="0"/>
+                    </a:p>
+                  </a:txBody>
+                  <a:tcPr/>
+                </a:tc>
+                <a:tc>
+                  <a:txBody>
+                    <a:bodyPr/>
+                    <a:lstStyle/>
+                    <a:p>
+                      <a:endParaRPr kumimoji="1" lang="ja-JP" altLang="en-US" dirty="0"/>
+                    </a:p>
+                  </a:txBody>
+                  <a:tcPr/>
+                </a:tc>
+                <a:extLst>
+                  <a:ext uri="{0D108BD9-81ED-4DB2-BD59-A6C34878D82A}">
+                    <a16:rowId xmlns:a16="http://schemas.microsoft.com/office/drawing/2014/main" val="3213790903"/>
+                  </a:ext>
+                </a:extLst>
+              </a:tr>
+            </a:tbl>
+          </a:graphicData>
+        </a:graphic>
+      </p:graphicFrame>
     </p:spTree>
     <p:extLst>
       <p:ext uri="{BB962C8B-B14F-4D97-AF65-F5344CB8AC3E}">
-        <p14:creationId xmlns:p14="http://schemas.microsoft.com/office/powerpoint/2010/main" val="3511740059"/>
+        <p14:creationId xmlns:p14="http://schemas.microsoft.com/office/powerpoint/2010/main" val="2830082271"/>
       </p:ext>
     </p:extLst>
   </p:cSld>
@@ -7802,6 +8517,365 @@
     <p:extLst>
       <p:ext uri="{BB962C8B-B14F-4D97-AF65-F5344CB8AC3E}">
         <p14:creationId xmlns:p14="http://schemas.microsoft.com/office/powerpoint/2010/main" val="285491802"/>
+      </p:ext>
+    </p:extLst>
+  </p:cSld>
+  <p:clrMapOvr>
+    <a:masterClrMapping/>
+  </p:clrMapOvr>
+</p:sld>
+</file>
+
+<file path=ppt/slides/slide20.xml><?xml version="1.0" encoding="utf-8"?>
+<p:sld xmlns:a="http://schemas.openxmlformats.org/drawingml/2006/main" xmlns:r="http://schemas.openxmlformats.org/officeDocument/2006/relationships" xmlns:p="http://schemas.openxmlformats.org/presentationml/2006/main">
+  <p:cSld>
+    <p:spTree>
+      <p:nvGrpSpPr>
+        <p:cNvPr id="1" name=""/>
+        <p:cNvGrpSpPr/>
+        <p:nvPr/>
+      </p:nvGrpSpPr>
+      <p:grpSpPr>
+        <a:xfrm>
+          <a:off x="0" y="0"/>
+          <a:ext cx="0" cy="0"/>
+          <a:chOff x="0" y="0"/>
+          <a:chExt cx="0" cy="0"/>
+        </a:xfrm>
+      </p:grpSpPr>
+      <p:sp>
+        <p:nvSpPr>
+          <p:cNvPr id="2" name="タイトル 1">
+            <a:extLst>
+              <a:ext uri="{FF2B5EF4-FFF2-40B4-BE49-F238E27FC236}">
+                <a16:creationId xmlns:a16="http://schemas.microsoft.com/office/drawing/2014/main" id="{AE80FF94-1922-3340-E94E-B8AE33D682E7}"/>
+              </a:ext>
+            </a:extLst>
+          </p:cNvPr>
+          <p:cNvSpPr>
+            <a:spLocks noGrp="1"/>
+          </p:cNvSpPr>
+          <p:nvPr>
+            <p:ph type="title"/>
+          </p:nvPr>
+        </p:nvSpPr>
+        <p:spPr/>
+        <p:txBody>
+          <a:bodyPr/>
+          <a:lstStyle/>
+          <a:p>
+            <a:r>
+              <a:rPr lang="en-US" altLang="ja-JP" dirty="0"/>
+              <a:t>2.1.4. Device-context configuration checks</a:t>
+            </a:r>
+            <a:endParaRPr kumimoji="1" lang="ja-JP" altLang="en-US" dirty="0"/>
+          </a:p>
+        </p:txBody>
+      </p:sp>
+      <p:sp>
+        <p:nvSpPr>
+          <p:cNvPr id="3" name="コンテンツ プレースホルダー 2">
+            <a:extLst>
+              <a:ext uri="{FF2B5EF4-FFF2-40B4-BE49-F238E27FC236}">
+                <a16:creationId xmlns:a16="http://schemas.microsoft.com/office/drawing/2014/main" id="{B1696C28-650B-9BA7-B3E7-1F45A0020857}"/>
+              </a:ext>
+            </a:extLst>
+          </p:cNvPr>
+          <p:cNvSpPr>
+            <a:spLocks noGrp="1"/>
+          </p:cNvSpPr>
+          <p:nvPr>
+            <p:ph idx="1"/>
+          </p:nvPr>
+        </p:nvSpPr>
+        <p:spPr>
+          <a:xfrm>
+            <a:off x="457200" y="1825624"/>
+            <a:ext cx="11277600" cy="4879976"/>
+          </a:xfrm>
+        </p:spPr>
+        <p:txBody>
+          <a:bodyPr>
+            <a:normAutofit fontScale="85000" lnSpcReduction="10000"/>
+          </a:bodyPr>
+          <a:lstStyle/>
+          <a:p>
+            <a:r>
+              <a:rPr kumimoji="1" lang="ja-JP" altLang="en-US" dirty="0"/>
+              <a:t>デバイスコンテキスト </a:t>
+            </a:r>
+            <a:r>
+              <a:rPr kumimoji="1" lang="en-US" altLang="ja-JP" dirty="0"/>
+              <a:t>(DC) </a:t>
+            </a:r>
+            <a:r>
+              <a:rPr kumimoji="1" lang="ja-JP" altLang="en-US" dirty="0"/>
+              <a:t>の設定が誤っているとされる例</a:t>
+            </a:r>
+            <a:endParaRPr kumimoji="1" lang="en-US" altLang="ja-JP" dirty="0"/>
+          </a:p>
+          <a:p>
+            <a:pPr lvl="1"/>
+            <a:r>
+              <a:rPr kumimoji="1" lang="ja-JP" altLang="en-US" dirty="0"/>
+              <a:t>これらの条件が該当する場合、</a:t>
+            </a:r>
+            <a:r>
+              <a:rPr kumimoji="1" lang="en-US" altLang="ja-JP" dirty="0"/>
+              <a:t>DDT</a:t>
+            </a:r>
+            <a:r>
+              <a:rPr kumimoji="1" lang="ja-JP" altLang="en-US" dirty="0"/>
+              <a:t>エントリ誤構成」エラー（</a:t>
+            </a:r>
+            <a:r>
+              <a:rPr kumimoji="1" lang="en-US" altLang="ja-JP" dirty="0"/>
+              <a:t>cause=259</a:t>
+            </a:r>
+            <a:r>
+              <a:rPr kumimoji="1" lang="ja-JP" altLang="en-US" dirty="0"/>
+              <a:t>）</a:t>
+            </a:r>
+            <a:endParaRPr kumimoji="1" lang="en-US" altLang="ja-JP" dirty="0"/>
+          </a:p>
+          <a:p>
+            <a:r>
+              <a:rPr kumimoji="1" lang="ja-JP" altLang="en-US" dirty="0"/>
+              <a:t>予約済みビットやエンコーディングの使用：</a:t>
+            </a:r>
+            <a:endParaRPr kumimoji="1" lang="en-US" altLang="ja-JP" dirty="0"/>
+          </a:p>
+          <a:p>
+            <a:pPr lvl="1"/>
+            <a:r>
+              <a:rPr kumimoji="1" lang="en-US" altLang="ja-JP" dirty="0"/>
+              <a:t>DC</a:t>
+            </a:r>
+            <a:r>
+              <a:rPr kumimoji="1" lang="ja-JP" altLang="en-US" dirty="0"/>
+              <a:t>内で予約されているビットが設定されている、または使用されてい</a:t>
+            </a:r>
+            <a:r>
+              <a:rPr lang="ja-JP" altLang="en-US" dirty="0"/>
+              <a:t>る場合</a:t>
+            </a:r>
+            <a:endParaRPr lang="en-US" altLang="ja-JP" dirty="0"/>
+          </a:p>
+          <a:p>
+            <a:r>
+              <a:rPr kumimoji="1" lang="en-US" altLang="ja-JP" dirty="0" err="1">
+                <a:latin typeface="Consolas" panose="020B0609020204030204" pitchFamily="49" charset="0"/>
+              </a:rPr>
+              <a:t>capabilities.ATS</a:t>
+            </a:r>
+            <a:r>
+              <a:rPr kumimoji="1" lang="ja-JP" altLang="en-US" dirty="0"/>
+              <a:t>と他のフィールドの不整合：</a:t>
+            </a:r>
+            <a:endParaRPr kumimoji="1" lang="en-US" altLang="ja-JP" dirty="0"/>
+          </a:p>
+          <a:p>
+            <a:pPr lvl="1"/>
+            <a:r>
+              <a:rPr kumimoji="1" lang="en-US" altLang="ja-JP" dirty="0" err="1"/>
+              <a:t>DC.tc.EN_ATS</a:t>
+            </a:r>
+            <a:r>
+              <a:rPr kumimoji="1" lang="ja-JP" altLang="en-US" dirty="0"/>
+              <a:t>、</a:t>
+            </a:r>
+            <a:r>
+              <a:rPr kumimoji="1" lang="en-US" altLang="ja-JP" dirty="0" err="1"/>
+              <a:t>DC.tc.EN_PRI</a:t>
+            </a:r>
+            <a:r>
+              <a:rPr kumimoji="1" lang="ja-JP" altLang="en-US" dirty="0"/>
+              <a:t>、</a:t>
+            </a:r>
+            <a:r>
+              <a:rPr kumimoji="1" lang="en-US" altLang="ja-JP" dirty="0" err="1"/>
+              <a:t>DC.tc.PRPR</a:t>
+            </a:r>
+            <a:r>
+              <a:rPr kumimoji="1" lang="en-US" altLang="ja-JP" dirty="0"/>
+              <a:t> </a:t>
+            </a:r>
+            <a:r>
+              <a:rPr kumimoji="1" lang="ja-JP" altLang="en-US" dirty="0"/>
+              <a:t>などのフィールドが </a:t>
+            </a:r>
+            <a:r>
+              <a:rPr kumimoji="1" lang="en-US" altLang="ja-JP" dirty="0" err="1"/>
+              <a:t>capabilities.ATS</a:t>
+            </a:r>
+            <a:r>
+              <a:rPr kumimoji="1" lang="en-US" altLang="ja-JP" dirty="0"/>
+              <a:t> </a:t>
+            </a:r>
+            <a:r>
+              <a:rPr kumimoji="1" lang="ja-JP" altLang="en-US" dirty="0"/>
+              <a:t>の状態と一致していない場合</a:t>
+            </a:r>
+            <a:endParaRPr kumimoji="1" lang="en-US" altLang="ja-JP" dirty="0"/>
+          </a:p>
+          <a:p>
+            <a:r>
+              <a:rPr kumimoji="1" lang="en-US" altLang="ja-JP" dirty="0">
+                <a:latin typeface="Consolas" panose="020B0609020204030204" pitchFamily="49" charset="0"/>
+              </a:rPr>
+              <a:t>DC.tc.T2GPA</a:t>
+            </a:r>
+            <a:r>
+              <a:rPr kumimoji="1" lang="ja-JP" altLang="en-US" dirty="0"/>
+              <a:t>と</a:t>
+            </a:r>
+            <a:r>
+              <a:rPr kumimoji="1" lang="en-US" altLang="ja-JP" dirty="0" err="1">
+                <a:latin typeface="Consolas" panose="020B0609020204030204" pitchFamily="49" charset="0"/>
+              </a:rPr>
+              <a:t>DC.tc.EN_ATS</a:t>
+            </a:r>
+            <a:r>
+              <a:rPr kumimoji="1" lang="ja-JP" altLang="en-US" dirty="0"/>
+              <a:t>の不適合：</a:t>
+            </a:r>
+            <a:endParaRPr kumimoji="1" lang="en-US" altLang="ja-JP" dirty="0"/>
+          </a:p>
+          <a:p>
+            <a:pPr lvl="1"/>
+            <a:r>
+              <a:rPr kumimoji="1" lang="en-US" altLang="ja-JP" dirty="0">
+                <a:latin typeface="Consolas" panose="020B0609020204030204" pitchFamily="49" charset="0"/>
+              </a:rPr>
+              <a:t>DC.tc.T2GPA</a:t>
+            </a:r>
+            <a:r>
+              <a:rPr kumimoji="1" lang="ja-JP" altLang="en-US" dirty="0"/>
+              <a:t>フィールドが設定されている場合に、それが </a:t>
+            </a:r>
+            <a:r>
+              <a:rPr kumimoji="1" lang="en-US" altLang="ja-JP" dirty="0" err="1">
+                <a:latin typeface="Consolas" panose="020B0609020204030204" pitchFamily="49" charset="0"/>
+              </a:rPr>
+              <a:t>DC.tc.EN_ATS</a:t>
+            </a:r>
+            <a:r>
+              <a:rPr kumimoji="1" lang="en-US" altLang="ja-JP" dirty="0"/>
+              <a:t> </a:t>
+            </a:r>
+            <a:r>
+              <a:rPr kumimoji="1" lang="ja-JP" altLang="en-US" dirty="0"/>
+              <a:t>と適合しない場合。</a:t>
+            </a:r>
+            <a:endParaRPr kumimoji="1" lang="en-US" altLang="ja-JP" dirty="0"/>
+          </a:p>
+          <a:p>
+            <a:r>
+              <a:rPr kumimoji="1" lang="en-US" altLang="ja-JP" dirty="0"/>
+              <a:t>PDTP</a:t>
+            </a:r>
+            <a:r>
+              <a:rPr kumimoji="1" lang="ja-JP" altLang="en-US" dirty="0"/>
+              <a:t>モード や </a:t>
+            </a:r>
+            <a:r>
+              <a:rPr kumimoji="1" lang="en-US" altLang="ja-JP" dirty="0">
+                <a:latin typeface="Consolas" panose="020B0609020204030204" pitchFamily="49" charset="0"/>
+              </a:rPr>
+              <a:t>IOSATP.MODE</a:t>
+            </a:r>
+            <a:r>
+              <a:rPr kumimoji="1" lang="ja-JP" altLang="en-US" dirty="0"/>
+              <a:t>のサポート不一致：</a:t>
+            </a:r>
+            <a:endParaRPr kumimoji="1" lang="en-US" altLang="ja-JP" dirty="0"/>
+          </a:p>
+          <a:p>
+            <a:pPr lvl="1"/>
+            <a:r>
+              <a:rPr kumimoji="1" lang="ja-JP" altLang="en-US" dirty="0"/>
+              <a:t>特定のフラグが設定されている場合に、</a:t>
+            </a:r>
+            <a:r>
+              <a:rPr kumimoji="1" lang="en-US" altLang="ja-JP" dirty="0"/>
+              <a:t>PDTP</a:t>
+            </a:r>
+            <a:r>
+              <a:rPr kumimoji="1" lang="ja-JP" altLang="en-US" dirty="0"/>
+              <a:t>モードや</a:t>
+            </a:r>
+            <a:r>
+              <a:rPr kumimoji="1" lang="en-US" altLang="ja-JP" dirty="0">
+                <a:latin typeface="Consolas" panose="020B0609020204030204" pitchFamily="49" charset="0"/>
+              </a:rPr>
+              <a:t>IOSATP.MODE</a:t>
+            </a:r>
+            <a:r>
+              <a:rPr kumimoji="1" lang="ja-JP" altLang="en-US" dirty="0"/>
+              <a:t>がサポートされていない場合。</a:t>
+            </a:r>
+            <a:endParaRPr kumimoji="1" lang="en-US" altLang="ja-JP" dirty="0"/>
+          </a:p>
+          <a:p>
+            <a:r>
+              <a:rPr kumimoji="1" lang="en-US" altLang="ja-JP" dirty="0"/>
+              <a:t>ATS</a:t>
+            </a:r>
+            <a:r>
+              <a:rPr kumimoji="1" lang="ja-JP" altLang="en-US" dirty="0"/>
+              <a:t>、</a:t>
+            </a:r>
+            <a:r>
+              <a:rPr kumimoji="1" lang="en-US" altLang="ja-JP" dirty="0"/>
+              <a:t>PRI</a:t>
+            </a:r>
+            <a:r>
+              <a:rPr kumimoji="1" lang="ja-JP" altLang="en-US" dirty="0"/>
+              <a:t>、</a:t>
+            </a:r>
+            <a:r>
+              <a:rPr kumimoji="1" lang="en-US" altLang="ja-JP" dirty="0"/>
+              <a:t>T2GPA</a:t>
+            </a:r>
+            <a:r>
+              <a:rPr kumimoji="1" lang="ja-JP" altLang="en-US" dirty="0"/>
+              <a:t>機能に関連する他の不整合：</a:t>
+            </a:r>
+            <a:endParaRPr kumimoji="1" lang="en-US" altLang="ja-JP" dirty="0"/>
+          </a:p>
+          <a:p>
+            <a:pPr lvl="1"/>
+            <a:r>
+              <a:rPr kumimoji="1" lang="en-US" altLang="ja-JP" dirty="0"/>
+              <a:t>ATS</a:t>
+            </a:r>
+            <a:r>
+              <a:rPr kumimoji="1" lang="ja-JP" altLang="en-US" dirty="0"/>
+              <a:t>、</a:t>
+            </a:r>
+            <a:r>
+              <a:rPr kumimoji="1" lang="en-US" altLang="ja-JP" dirty="0"/>
+              <a:t>PRI</a:t>
+            </a:r>
+            <a:r>
+              <a:rPr kumimoji="1" lang="ja-JP" altLang="en-US" dirty="0"/>
+              <a:t>、または</a:t>
+            </a:r>
+            <a:r>
+              <a:rPr kumimoji="1" lang="en-US" altLang="ja-JP" dirty="0"/>
+              <a:t>T2GPA</a:t>
+            </a:r>
+            <a:r>
+              <a:rPr kumimoji="1" lang="ja-JP" altLang="en-US" dirty="0"/>
+              <a:t>の機能が有効化されている際に、それらの設定が正しく行われていない場合。</a:t>
+            </a:r>
+          </a:p>
+        </p:txBody>
+      </p:sp>
+    </p:spTree>
+    <p:extLst>
+      <p:ext uri="{BB962C8B-B14F-4D97-AF65-F5344CB8AC3E}">
+        <p14:creationId xmlns:p14="http://schemas.microsoft.com/office/powerpoint/2010/main" val="3511740059"/>
       </p:ext>
     </p:extLst>
   </p:cSld>
